--- a/Slides/15. Reprodução de Áudio.pptx
+++ b/Slides/15. Reprodução de Áudio.pptx
@@ -684,12 +684,12 @@
   <pc:docChgLst>
     <pc:chgData name="Judson Santiago" userId="ebb108da2f256286" providerId="LiveId" clId="{9591AF09-608C-4144-B70F-A2B23AAF3CD9}"/>
     <pc:docChg chg="undo redo custSel modSld modMainMaster">
-      <pc:chgData name="Judson Santiago" userId="ebb108da2f256286" providerId="LiveId" clId="{9591AF09-608C-4144-B70F-A2B23AAF3CD9}" dt="2021-09-11T03:54:16.228" v="1269" actId="21"/>
+      <pc:chgData name="Judson Santiago" userId="ebb108da2f256286" providerId="LiveId" clId="{9591AF09-608C-4144-B70F-A2B23AAF3CD9}" dt="2021-09-16T18:45:15.626" v="1275" actId="20577"/>
       <pc:docMkLst>
         <pc:docMk/>
       </pc:docMkLst>
-      <pc:sldChg chg="modSp mod">
-        <pc:chgData name="Judson Santiago" userId="ebb108da2f256286" providerId="LiveId" clId="{9591AF09-608C-4144-B70F-A2B23AAF3CD9}" dt="2021-09-10T23:10:57.118" v="41" actId="403"/>
+      <pc:sldChg chg="modSp mod modNotesTx">
+        <pc:chgData name="Judson Santiago" userId="ebb108da2f256286" providerId="LiveId" clId="{9591AF09-608C-4144-B70F-A2B23AAF3CD9}" dt="2021-09-16T18:45:15.626" v="1275" actId="20577"/>
         <pc:sldMkLst>
           <pc:docMk/>
           <pc:sldMk cId="0" sldId="256"/>
@@ -2928,7 +2928,7 @@
             <a:fld id="{4C457FC9-8E1D-4A40-BFF1-0E630693B1AB}" type="datetimeFigureOut">
               <a:rPr lang="pt-BR" smtClean="0"/>
               <a:pPr/>
-              <a:t>10/09/2021</a:t>
+              <a:t>16/09/2021</a:t>
             </a:fld>
             <a:endParaRPr lang="pt-BR"/>
           </a:p>
@@ -3242,6 +3242,122 @@
           <a:bodyPr/>
           <a:lstStyle/>
           <a:p>
+            <a:pPr marL="171450" indent="-171450">
+              <a:buFontTx/>
+              <a:buChar char="-"/>
+            </a:pPr>
+            <a:r>
+              <a:rPr lang="pt-BR" b="0" i="0" dirty="0">
+                <a:solidFill>
+                  <a:srgbClr val="000000"/>
+                </a:solidFill>
+                <a:effectLst/>
+                <a:latin typeface="Verdana" panose="020B0604030504040204" pitchFamily="34" charset="0"/>
+              </a:rPr>
+              <a:t>Introdução a biblioteca de áudio XAudio2. </a:t>
+            </a:r>
+          </a:p>
+          <a:p>
+            <a:pPr marL="171450" indent="-171450">
+              <a:buFontTx/>
+              <a:buChar char="-"/>
+            </a:pPr>
+            <a:r>
+              <a:rPr lang="pt-BR" b="0" i="0">
+                <a:solidFill>
+                  <a:srgbClr val="000000"/>
+                </a:solidFill>
+                <a:effectLst/>
+                <a:latin typeface="Verdana" panose="020B0604030504040204" pitchFamily="34" charset="0"/>
+              </a:rPr>
+              <a:t>Noções </a:t>
+            </a:r>
+            <a:r>
+              <a:rPr lang="pt-BR" b="0" i="0" dirty="0">
+                <a:solidFill>
+                  <a:srgbClr val="000000"/>
+                </a:solidFill>
+                <a:effectLst/>
+                <a:latin typeface="Verdana" panose="020B0604030504040204" pitchFamily="34" charset="0"/>
+              </a:rPr>
+              <a:t>do formato de arquivo WAVE</a:t>
+            </a:r>
+            <a:r>
+              <a:rPr lang="pt-BR" b="0" i="0">
+                <a:solidFill>
+                  <a:srgbClr val="000000"/>
+                </a:solidFill>
+                <a:effectLst/>
+                <a:latin typeface="Verdana" panose="020B0604030504040204" pitchFamily="34" charset="0"/>
+              </a:rPr>
+              <a:t>. </a:t>
+            </a:r>
+          </a:p>
+          <a:p>
+            <a:pPr marL="171450" indent="-171450">
+              <a:buFontTx/>
+              <a:buChar char="-"/>
+            </a:pPr>
+            <a:r>
+              <a:rPr lang="pt-BR" b="0" i="0">
+                <a:solidFill>
+                  <a:srgbClr val="000000"/>
+                </a:solidFill>
+                <a:effectLst/>
+                <a:latin typeface="Verdana" panose="020B0604030504040204" pitchFamily="34" charset="0"/>
+              </a:rPr>
+              <a:t>Construindo </a:t>
+            </a:r>
+            <a:r>
+              <a:rPr lang="pt-BR" b="0" i="0" dirty="0">
+                <a:solidFill>
+                  <a:srgbClr val="000000"/>
+                </a:solidFill>
+                <a:effectLst/>
+                <a:latin typeface="Verdana" panose="020B0604030504040204" pitchFamily="34" charset="0"/>
+              </a:rPr>
+              <a:t>classes </a:t>
+            </a:r>
+            <a:r>
+              <a:rPr lang="pt-BR" b="0" i="0" dirty="0" err="1">
+                <a:solidFill>
+                  <a:srgbClr val="000000"/>
+                </a:solidFill>
+                <a:effectLst/>
+                <a:latin typeface="Verdana" panose="020B0604030504040204" pitchFamily="34" charset="0"/>
+              </a:rPr>
+              <a:t>Sound</a:t>
+            </a:r>
+            <a:r>
+              <a:rPr lang="pt-BR" b="0" i="0" dirty="0">
+                <a:solidFill>
+                  <a:srgbClr val="000000"/>
+                </a:solidFill>
+                <a:effectLst/>
+                <a:latin typeface="Verdana" panose="020B0604030504040204" pitchFamily="34" charset="0"/>
+              </a:rPr>
+              <a:t> e </a:t>
+            </a:r>
+            <a:r>
+              <a:rPr lang="pt-BR" b="0" i="0" dirty="0" err="1">
+                <a:solidFill>
+                  <a:srgbClr val="000000"/>
+                </a:solidFill>
+                <a:effectLst/>
+                <a:latin typeface="Verdana" panose="020B0604030504040204" pitchFamily="34" charset="0"/>
+              </a:rPr>
+              <a:t>Audio</a:t>
+            </a:r>
+            <a:r>
+              <a:rPr lang="pt-BR" b="0" i="0" dirty="0">
+                <a:solidFill>
+                  <a:srgbClr val="000000"/>
+                </a:solidFill>
+                <a:effectLst/>
+                <a:latin typeface="Verdana" panose="020B0604030504040204" pitchFamily="34" charset="0"/>
+              </a:rPr>
+              <a:t> para carregar e reproduzir arquivos de áudio em jogos</a:t>
+            </a:r>
             <a:endParaRPr lang="pt-BR" dirty="0"/>
           </a:p>
         </p:txBody>
@@ -3264,7 +3380,7 @@
             <a:fld id="{EF334A8D-C5BE-432D-90D0-92D67DD437AB}" type="slidenum">
               <a:rPr lang="pt-BR" smtClean="0"/>
               <a:pPr/>
-              <a:t>2</a:t>
+              <a:t>1</a:t>
             </a:fld>
             <a:endParaRPr lang="pt-BR"/>
           </a:p>
@@ -3273,7 +3389,7 @@
     </p:spTree>
     <p:extLst>
       <p:ext uri="{BB962C8B-B14F-4D97-AF65-F5344CB8AC3E}">
-        <p14:creationId xmlns:p14="http://schemas.microsoft.com/office/powerpoint/2010/main" val="3345642914"/>
+        <p14:creationId xmlns:p14="http://schemas.microsoft.com/office/powerpoint/2010/main" val="447816593"/>
       </p:ext>
     </p:extLst>
   </p:cSld>
@@ -3283,1156 +3399,7 @@
 </p:notes>
 </file>
 
-<file path=ppt/notesSlides/notesSlide2.xml><?xml version="1.0" encoding="utf-8"?>
-<p:notes xmlns:a="http://schemas.openxmlformats.org/drawingml/2006/main" xmlns:r="http://schemas.openxmlformats.org/officeDocument/2006/relationships" xmlns:p="http://schemas.openxmlformats.org/presentationml/2006/main">
-  <p:cSld>
-    <p:spTree>
-      <p:nvGrpSpPr>
-        <p:cNvPr id="1" name=""/>
-        <p:cNvGrpSpPr/>
-        <p:nvPr/>
-      </p:nvGrpSpPr>
-      <p:grpSpPr>
-        <a:xfrm>
-          <a:off x="0" y="0"/>
-          <a:ext cx="0" cy="0"/>
-          <a:chOff x="0" y="0"/>
-          <a:chExt cx="0" cy="0"/>
-        </a:xfrm>
-      </p:grpSpPr>
-      <p:sp>
-        <p:nvSpPr>
-          <p:cNvPr id="2" name="Espaço Reservado para Imagem de Slide 1"/>
-          <p:cNvSpPr>
-            <a:spLocks noGrp="1" noRot="1" noChangeAspect="1"/>
-          </p:cNvSpPr>
-          <p:nvPr>
-            <p:ph type="sldImg"/>
-          </p:nvPr>
-        </p:nvSpPr>
-        <p:spPr/>
-      </p:sp>
-      <p:sp>
-        <p:nvSpPr>
-          <p:cNvPr id="3" name="Espaço Reservado para Anotações 2"/>
-          <p:cNvSpPr>
-            <a:spLocks noGrp="1"/>
-          </p:cNvSpPr>
-          <p:nvPr>
-            <p:ph type="body" idx="1"/>
-          </p:nvPr>
-        </p:nvSpPr>
-        <p:spPr/>
-        <p:txBody>
-          <a:bodyPr/>
-          <a:lstStyle/>
-          <a:p>
-            <a:r>
-              <a:rPr lang="pt-BR" dirty="0"/>
-              <a:t>Diapasão gera uma vibração constante.</a:t>
-            </a:r>
-          </a:p>
-        </p:txBody>
-      </p:sp>
-      <p:sp>
-        <p:nvSpPr>
-          <p:cNvPr id="4" name="Espaço Reservado para Número de Slide 3"/>
-          <p:cNvSpPr>
-            <a:spLocks noGrp="1"/>
-          </p:cNvSpPr>
-          <p:nvPr>
-            <p:ph type="sldNum" sz="quarter" idx="10"/>
-          </p:nvPr>
-        </p:nvSpPr>
-        <p:spPr/>
-        <p:txBody>
-          <a:bodyPr/>
-          <a:lstStyle/>
-          <a:p>
-            <a:fld id="{EF334A8D-C5BE-432D-90D0-92D67DD437AB}" type="slidenum">
-              <a:rPr lang="pt-BR" smtClean="0"/>
-              <a:pPr/>
-              <a:t>3</a:t>
-            </a:fld>
-            <a:endParaRPr lang="pt-BR"/>
-          </a:p>
-        </p:txBody>
-      </p:sp>
-    </p:spTree>
-    <p:extLst>
-      <p:ext uri="{BB962C8B-B14F-4D97-AF65-F5344CB8AC3E}">
-        <p14:creationId xmlns:p14="http://schemas.microsoft.com/office/powerpoint/2010/main" val="2058088987"/>
-      </p:ext>
-    </p:extLst>
-  </p:cSld>
-  <p:clrMapOvr>
-    <a:masterClrMapping/>
-  </p:clrMapOvr>
-</p:notes>
-</file>
-
-<file path=ppt/notesSlides/notesSlide3.xml><?xml version="1.0" encoding="utf-8"?>
-<p:notes xmlns:a="http://schemas.openxmlformats.org/drawingml/2006/main" xmlns:r="http://schemas.openxmlformats.org/officeDocument/2006/relationships" xmlns:p="http://schemas.openxmlformats.org/presentationml/2006/main">
-  <p:cSld>
-    <p:spTree>
-      <p:nvGrpSpPr>
-        <p:cNvPr id="1" name=""/>
-        <p:cNvGrpSpPr/>
-        <p:nvPr/>
-      </p:nvGrpSpPr>
-      <p:grpSpPr>
-        <a:xfrm>
-          <a:off x="0" y="0"/>
-          <a:ext cx="0" cy="0"/>
-          <a:chOff x="0" y="0"/>
-          <a:chExt cx="0" cy="0"/>
-        </a:xfrm>
-      </p:grpSpPr>
-      <p:sp>
-        <p:nvSpPr>
-          <p:cNvPr id="2" name="Espaço Reservado para Imagem de Slide 1"/>
-          <p:cNvSpPr>
-            <a:spLocks noGrp="1" noRot="1" noChangeAspect="1"/>
-          </p:cNvSpPr>
-          <p:nvPr>
-            <p:ph type="sldImg"/>
-          </p:nvPr>
-        </p:nvSpPr>
-        <p:spPr/>
-      </p:sp>
-      <p:sp>
-        <p:nvSpPr>
-          <p:cNvPr id="3" name="Espaço Reservado para Anotações 2"/>
-          <p:cNvSpPr>
-            <a:spLocks noGrp="1"/>
-          </p:cNvSpPr>
-          <p:nvPr>
-            <p:ph type="body" idx="1"/>
-          </p:nvPr>
-        </p:nvSpPr>
-        <p:spPr/>
-        <p:txBody>
-          <a:bodyPr/>
-          <a:lstStyle/>
-          <a:p>
-            <a:r>
-              <a:rPr lang="pt-BR" dirty="0"/>
-              <a:t>A frequência está diretamente relacionada</a:t>
-            </a:r>
-            <a:r>
-              <a:rPr lang="pt-BR" baseline="0" dirty="0"/>
-              <a:t> com o comprimento da onda.</a:t>
-            </a:r>
-            <a:endParaRPr lang="pt-BR" dirty="0"/>
-          </a:p>
-        </p:txBody>
-      </p:sp>
-      <p:sp>
-        <p:nvSpPr>
-          <p:cNvPr id="4" name="Espaço Reservado para Número de Slide 3"/>
-          <p:cNvSpPr>
-            <a:spLocks noGrp="1"/>
-          </p:cNvSpPr>
-          <p:nvPr>
-            <p:ph type="sldNum" sz="quarter" idx="10"/>
-          </p:nvPr>
-        </p:nvSpPr>
-        <p:spPr/>
-        <p:txBody>
-          <a:bodyPr/>
-          <a:lstStyle/>
-          <a:p>
-            <a:fld id="{EF334A8D-C5BE-432D-90D0-92D67DD437AB}" type="slidenum">
-              <a:rPr lang="pt-BR" smtClean="0"/>
-              <a:pPr/>
-              <a:t>4</a:t>
-            </a:fld>
-            <a:endParaRPr lang="pt-BR"/>
-          </a:p>
-        </p:txBody>
-      </p:sp>
-    </p:spTree>
-    <p:extLst>
-      <p:ext uri="{BB962C8B-B14F-4D97-AF65-F5344CB8AC3E}">
-        <p14:creationId xmlns:p14="http://schemas.microsoft.com/office/powerpoint/2010/main" val="3257162474"/>
-      </p:ext>
-    </p:extLst>
-  </p:cSld>
-  <p:clrMapOvr>
-    <a:masterClrMapping/>
-  </p:clrMapOvr>
-</p:notes>
-</file>
-
-<file path=ppt/notesSlides/notesSlide4.xml><?xml version="1.0" encoding="utf-8"?>
-<p:notes xmlns:a="http://schemas.openxmlformats.org/drawingml/2006/main" xmlns:r="http://schemas.openxmlformats.org/officeDocument/2006/relationships" xmlns:p="http://schemas.openxmlformats.org/presentationml/2006/main">
-  <p:cSld>
-    <p:spTree>
-      <p:nvGrpSpPr>
-        <p:cNvPr id="1" name=""/>
-        <p:cNvGrpSpPr/>
-        <p:nvPr/>
-      </p:nvGrpSpPr>
-      <p:grpSpPr>
-        <a:xfrm>
-          <a:off x="0" y="0"/>
-          <a:ext cx="0" cy="0"/>
-          <a:chOff x="0" y="0"/>
-          <a:chExt cx="0" cy="0"/>
-        </a:xfrm>
-      </p:grpSpPr>
-      <p:sp>
-        <p:nvSpPr>
-          <p:cNvPr id="2" name="Espaço Reservado para Imagem de Slide 1"/>
-          <p:cNvSpPr>
-            <a:spLocks noGrp="1" noRot="1" noChangeAspect="1"/>
-          </p:cNvSpPr>
-          <p:nvPr>
-            <p:ph type="sldImg"/>
-          </p:nvPr>
-        </p:nvSpPr>
-        <p:spPr>
-          <a:xfrm>
-            <a:off x="381000" y="685800"/>
-            <a:ext cx="6096000" cy="3429000"/>
-          </a:xfrm>
-        </p:spPr>
-      </p:sp>
-      <p:sp>
-        <p:nvSpPr>
-          <p:cNvPr id="3" name="Espaço Reservado para Anotações 2"/>
-          <p:cNvSpPr>
-            <a:spLocks noGrp="1"/>
-          </p:cNvSpPr>
-          <p:nvPr>
-            <p:ph type="body" idx="1"/>
-          </p:nvPr>
-        </p:nvSpPr>
-        <p:spPr/>
-        <p:txBody>
-          <a:bodyPr/>
-          <a:lstStyle/>
-          <a:p>
-            <a:r>
-              <a:rPr lang="pt-BR" dirty="0"/>
-              <a:t>Xaudio2</a:t>
-            </a:r>
-            <a:r>
-              <a:rPr lang="pt-BR" baseline="0" dirty="0"/>
-              <a:t> é uma API mais moderna que veio para substituir DirectSound e Xaudio. DirectSound não deve mais ser usada em novos projetos.</a:t>
-            </a:r>
-            <a:endParaRPr lang="pt-BR" dirty="0"/>
-          </a:p>
-        </p:txBody>
-      </p:sp>
-      <p:sp>
-        <p:nvSpPr>
-          <p:cNvPr id="4" name="Espaço Reservado para Número de Slide 3"/>
-          <p:cNvSpPr>
-            <a:spLocks noGrp="1"/>
-          </p:cNvSpPr>
-          <p:nvPr>
-            <p:ph type="sldNum" sz="quarter" idx="10"/>
-          </p:nvPr>
-        </p:nvSpPr>
-        <p:spPr/>
-        <p:txBody>
-          <a:bodyPr/>
-          <a:lstStyle/>
-          <a:p>
-            <a:fld id="{EF334A8D-C5BE-432D-90D0-92D67DD437AB}" type="slidenum">
-              <a:rPr lang="pt-BR" smtClean="0"/>
-              <a:pPr/>
-              <a:t>10</a:t>
-            </a:fld>
-            <a:endParaRPr lang="pt-BR"/>
-          </a:p>
-        </p:txBody>
-      </p:sp>
-    </p:spTree>
-    <p:extLst>
-      <p:ext uri="{BB962C8B-B14F-4D97-AF65-F5344CB8AC3E}">
-        <p14:creationId xmlns:p14="http://schemas.microsoft.com/office/powerpoint/2010/main" val="3126741372"/>
-      </p:ext>
-    </p:extLst>
-  </p:cSld>
-  <p:clrMapOvr>
-    <a:masterClrMapping/>
-  </p:clrMapOvr>
-</p:notes>
-</file>
-
-<file path=ppt/notesSlides/notesSlide5.xml><?xml version="1.0" encoding="utf-8"?>
-<p:notes xmlns:a="http://schemas.openxmlformats.org/drawingml/2006/main" xmlns:r="http://schemas.openxmlformats.org/officeDocument/2006/relationships" xmlns:p="http://schemas.openxmlformats.org/presentationml/2006/main">
-  <p:cSld>
-    <p:spTree>
-      <p:nvGrpSpPr>
-        <p:cNvPr id="1" name=""/>
-        <p:cNvGrpSpPr/>
-        <p:nvPr/>
-      </p:nvGrpSpPr>
-      <p:grpSpPr>
-        <a:xfrm>
-          <a:off x="0" y="0"/>
-          <a:ext cx="0" cy="0"/>
-          <a:chOff x="0" y="0"/>
-          <a:chExt cx="0" cy="0"/>
-        </a:xfrm>
-      </p:grpSpPr>
-      <p:sp>
-        <p:nvSpPr>
-          <p:cNvPr id="2" name="Espaço Reservado para Imagem de Slide 1"/>
-          <p:cNvSpPr>
-            <a:spLocks noGrp="1" noRot="1" noChangeAspect="1"/>
-          </p:cNvSpPr>
-          <p:nvPr>
-            <p:ph type="sldImg"/>
-          </p:nvPr>
-        </p:nvSpPr>
-        <p:spPr>
-          <a:xfrm>
-            <a:off x="381000" y="685800"/>
-            <a:ext cx="6096000" cy="3429000"/>
-          </a:xfrm>
-        </p:spPr>
-      </p:sp>
-      <p:sp>
-        <p:nvSpPr>
-          <p:cNvPr id="3" name="Espaço Reservado para Anotações 2"/>
-          <p:cNvSpPr>
-            <a:spLocks noGrp="1"/>
-          </p:cNvSpPr>
-          <p:nvPr>
-            <p:ph type="body" idx="1"/>
-          </p:nvPr>
-        </p:nvSpPr>
-        <p:spPr/>
-        <p:txBody>
-          <a:bodyPr/>
-          <a:lstStyle/>
-          <a:p>
-            <a:r>
-              <a:rPr lang="pt-BR" dirty="0"/>
-              <a:t>Exemplos</a:t>
-            </a:r>
-            <a:r>
-              <a:rPr lang="pt-BR" baseline="0" dirty="0"/>
-              <a:t> de efeitos de DSP e filtragem: eco, entonação (grave, agudo), reverberação, oclusão, corte das frequências baixas ou altas de um som</a:t>
-            </a:r>
-            <a:br>
-              <a:rPr lang="pt-BR" baseline="0" dirty="0"/>
-            </a:br>
-            <a:br>
-              <a:rPr lang="pt-BR" baseline="0" dirty="0"/>
-            </a:br>
-            <a:r>
-              <a:rPr lang="en-US" sz="1200" kern="1200" dirty="0">
-                <a:solidFill>
-                  <a:schemeClr val="tx1"/>
-                </a:solidFill>
-                <a:effectLst/>
-                <a:latin typeface="+mn-lt"/>
-                <a:ea typeface="+mn-ea"/>
-                <a:cs typeface="+mn-cs"/>
-              </a:rPr>
-              <a:t>Pulse Code Modulation (PCM) e Adaptive Delta Pulse Code Modulation (ADPCM) </a:t>
-            </a:r>
-            <a:r>
-              <a:rPr lang="en-US" sz="1200" kern="1200" dirty="0" err="1">
-                <a:solidFill>
-                  <a:schemeClr val="tx1"/>
-                </a:solidFill>
-                <a:effectLst/>
-                <a:latin typeface="+mn-lt"/>
-                <a:ea typeface="+mn-ea"/>
-                <a:cs typeface="+mn-cs"/>
-              </a:rPr>
-              <a:t>são</a:t>
-            </a:r>
-            <a:r>
-              <a:rPr lang="en-US" sz="1200" kern="1200" dirty="0">
-                <a:solidFill>
-                  <a:schemeClr val="tx1"/>
-                </a:solidFill>
-                <a:effectLst/>
-                <a:latin typeface="+mn-lt"/>
-                <a:ea typeface="+mn-ea"/>
-                <a:cs typeface="+mn-cs"/>
-              </a:rPr>
-              <a:t> subclasses do</a:t>
-            </a:r>
-            <a:r>
-              <a:rPr lang="en-US" sz="1200" kern="1200" baseline="0" dirty="0">
-                <a:solidFill>
-                  <a:schemeClr val="tx1"/>
-                </a:solidFill>
-                <a:effectLst/>
-                <a:latin typeface="+mn-lt"/>
-                <a:ea typeface="+mn-ea"/>
-                <a:cs typeface="+mn-cs"/>
-              </a:rPr>
-              <a:t> </a:t>
-            </a:r>
-            <a:r>
-              <a:rPr lang="en-US" sz="1200" kern="1200" baseline="0" dirty="0" err="1">
-                <a:solidFill>
-                  <a:schemeClr val="tx1"/>
-                </a:solidFill>
-                <a:effectLst/>
-                <a:latin typeface="+mn-lt"/>
-                <a:ea typeface="+mn-ea"/>
-                <a:cs typeface="+mn-cs"/>
-              </a:rPr>
-              <a:t>formato</a:t>
-            </a:r>
-            <a:r>
-              <a:rPr lang="en-US" sz="1200" kern="1200" baseline="0" dirty="0">
-                <a:solidFill>
-                  <a:schemeClr val="tx1"/>
-                </a:solidFill>
-                <a:effectLst/>
-                <a:latin typeface="+mn-lt"/>
-                <a:ea typeface="+mn-ea"/>
-                <a:cs typeface="+mn-cs"/>
-              </a:rPr>
-              <a:t> de </a:t>
-            </a:r>
-            <a:r>
-              <a:rPr lang="en-US" sz="1200" kern="1200" baseline="0" dirty="0" err="1">
-                <a:solidFill>
-                  <a:schemeClr val="tx1"/>
-                </a:solidFill>
-                <a:effectLst/>
-                <a:latin typeface="+mn-lt"/>
-                <a:ea typeface="+mn-ea"/>
-                <a:cs typeface="+mn-cs"/>
-              </a:rPr>
-              <a:t>arquivo</a:t>
-            </a:r>
-            <a:r>
-              <a:rPr lang="en-US" sz="1200" kern="1200" baseline="0" dirty="0">
-                <a:solidFill>
-                  <a:schemeClr val="tx1"/>
-                </a:solidFill>
-                <a:effectLst/>
-                <a:latin typeface="+mn-lt"/>
-                <a:ea typeface="+mn-ea"/>
-                <a:cs typeface="+mn-cs"/>
-              </a:rPr>
-              <a:t> </a:t>
-            </a:r>
-            <a:r>
-              <a:rPr lang="en-US" sz="1200" kern="1200" dirty="0">
-                <a:solidFill>
-                  <a:schemeClr val="tx1"/>
-                </a:solidFill>
-                <a:effectLst/>
-                <a:latin typeface="+mn-lt"/>
-                <a:ea typeface="+mn-ea"/>
-                <a:cs typeface="+mn-cs"/>
-              </a:rPr>
-              <a:t>.WAV. Com PCM, </a:t>
-            </a:r>
-            <a:r>
-              <a:rPr lang="en-US" sz="1200" kern="1200" dirty="0" err="1">
-                <a:solidFill>
-                  <a:schemeClr val="tx1"/>
-                </a:solidFill>
-                <a:effectLst/>
-                <a:latin typeface="+mn-lt"/>
-                <a:ea typeface="+mn-ea"/>
-                <a:cs typeface="+mn-cs"/>
-              </a:rPr>
-              <a:t>os</a:t>
-            </a:r>
-            <a:r>
-              <a:rPr lang="en-US" sz="1200" kern="1200" dirty="0">
-                <a:solidFill>
-                  <a:schemeClr val="tx1"/>
-                </a:solidFill>
-                <a:effectLst/>
-                <a:latin typeface="+mn-lt"/>
-                <a:ea typeface="+mn-ea"/>
-                <a:cs typeface="+mn-cs"/>
-              </a:rPr>
-              <a:t> dados </a:t>
-            </a:r>
-            <a:r>
-              <a:rPr lang="en-US" sz="1200" kern="1200" dirty="0" err="1">
-                <a:solidFill>
-                  <a:schemeClr val="tx1"/>
-                </a:solidFill>
-                <a:effectLst/>
-                <a:latin typeface="+mn-lt"/>
-                <a:ea typeface="+mn-ea"/>
-                <a:cs typeface="+mn-cs"/>
-              </a:rPr>
-              <a:t>para</a:t>
-            </a:r>
-            <a:r>
-              <a:rPr lang="en-US" sz="1200" kern="1200" dirty="0">
-                <a:solidFill>
-                  <a:schemeClr val="tx1"/>
-                </a:solidFill>
-                <a:effectLst/>
-                <a:latin typeface="+mn-lt"/>
-                <a:ea typeface="+mn-ea"/>
-                <a:cs typeface="+mn-cs"/>
-              </a:rPr>
-              <a:t> o </a:t>
-            </a:r>
-            <a:r>
-              <a:rPr lang="en-US" sz="1200" kern="1200" dirty="0" err="1">
-                <a:solidFill>
-                  <a:schemeClr val="tx1"/>
-                </a:solidFill>
-                <a:effectLst/>
-                <a:latin typeface="+mn-lt"/>
-                <a:ea typeface="+mn-ea"/>
-                <a:cs typeface="+mn-cs"/>
-              </a:rPr>
-              <a:t>arquivo</a:t>
-            </a:r>
-            <a:r>
-              <a:rPr lang="en-US" sz="1200" kern="1200" dirty="0">
-                <a:solidFill>
-                  <a:schemeClr val="tx1"/>
-                </a:solidFill>
-                <a:effectLst/>
-                <a:latin typeface="+mn-lt"/>
-                <a:ea typeface="+mn-ea"/>
-                <a:cs typeface="+mn-cs"/>
-              </a:rPr>
-              <a:t> .WAV </a:t>
-            </a:r>
-            <a:r>
-              <a:rPr lang="en-US" sz="1200" kern="1200" dirty="0" err="1">
-                <a:solidFill>
-                  <a:schemeClr val="tx1"/>
-                </a:solidFill>
-                <a:effectLst/>
-                <a:latin typeface="+mn-lt"/>
-                <a:ea typeface="+mn-ea"/>
-                <a:cs typeface="+mn-cs"/>
-              </a:rPr>
-              <a:t>são</a:t>
-            </a:r>
-            <a:r>
-              <a:rPr lang="en-US" sz="1200" kern="1200" dirty="0">
-                <a:solidFill>
-                  <a:schemeClr val="tx1"/>
-                </a:solidFill>
-                <a:effectLst/>
-                <a:latin typeface="+mn-lt"/>
-                <a:ea typeface="+mn-ea"/>
-                <a:cs typeface="+mn-cs"/>
-              </a:rPr>
-              <a:t> </a:t>
-            </a:r>
-            <a:r>
-              <a:rPr lang="en-US" sz="1200" kern="1200" dirty="0" err="1">
-                <a:solidFill>
-                  <a:schemeClr val="tx1"/>
-                </a:solidFill>
-                <a:effectLst/>
-                <a:latin typeface="+mn-lt"/>
-                <a:ea typeface="+mn-ea"/>
-                <a:cs typeface="+mn-cs"/>
-              </a:rPr>
-              <a:t>armazenados</a:t>
-            </a:r>
-            <a:r>
-              <a:rPr lang="en-US" sz="1200" kern="1200" baseline="0" dirty="0">
-                <a:solidFill>
-                  <a:schemeClr val="tx1"/>
-                </a:solidFill>
-                <a:effectLst/>
-                <a:latin typeface="+mn-lt"/>
-                <a:ea typeface="+mn-ea"/>
-                <a:cs typeface="+mn-cs"/>
-              </a:rPr>
-              <a:t> </a:t>
-            </a:r>
-            <a:r>
-              <a:rPr lang="en-US" sz="1200" kern="1200" baseline="0" dirty="0" err="1">
-                <a:solidFill>
-                  <a:schemeClr val="tx1"/>
-                </a:solidFill>
-                <a:effectLst/>
-                <a:latin typeface="+mn-lt"/>
-                <a:ea typeface="+mn-ea"/>
-                <a:cs typeface="+mn-cs"/>
-              </a:rPr>
-              <a:t>em</a:t>
-            </a:r>
-            <a:r>
-              <a:rPr lang="en-US" sz="1200" kern="1200" baseline="0" dirty="0">
-                <a:solidFill>
-                  <a:schemeClr val="tx1"/>
-                </a:solidFill>
-                <a:effectLst/>
-                <a:latin typeface="+mn-lt"/>
-                <a:ea typeface="+mn-ea"/>
-                <a:cs typeface="+mn-cs"/>
-              </a:rPr>
-              <a:t> </a:t>
-            </a:r>
-            <a:r>
-              <a:rPr lang="en-US" sz="1200" kern="1200" baseline="0" dirty="0" err="1">
-                <a:solidFill>
-                  <a:schemeClr val="tx1"/>
-                </a:solidFill>
-                <a:effectLst/>
-                <a:latin typeface="+mn-lt"/>
-                <a:ea typeface="+mn-ea"/>
-                <a:cs typeface="+mn-cs"/>
-              </a:rPr>
-              <a:t>amostras</a:t>
-            </a:r>
-            <a:r>
-              <a:rPr lang="en-US" sz="1200" kern="1200" baseline="0" dirty="0">
-                <a:solidFill>
-                  <a:schemeClr val="tx1"/>
-                </a:solidFill>
-                <a:effectLst/>
-                <a:latin typeface="+mn-lt"/>
-                <a:ea typeface="+mn-ea"/>
-                <a:cs typeface="+mn-cs"/>
-              </a:rPr>
-              <a:t> </a:t>
-            </a:r>
-            <a:r>
-              <a:rPr lang="en-US" sz="1200" kern="1200" baseline="0" dirty="0" err="1">
-                <a:solidFill>
-                  <a:schemeClr val="tx1"/>
-                </a:solidFill>
-                <a:effectLst/>
-                <a:latin typeface="+mn-lt"/>
-                <a:ea typeface="+mn-ea"/>
-                <a:cs typeface="+mn-cs"/>
-              </a:rPr>
-              <a:t>lineares</a:t>
-            </a:r>
-            <a:r>
-              <a:rPr lang="en-US" sz="1200" kern="1200" baseline="0" dirty="0">
-                <a:solidFill>
-                  <a:schemeClr val="tx1"/>
-                </a:solidFill>
-                <a:effectLst/>
-                <a:latin typeface="+mn-lt"/>
-                <a:ea typeface="+mn-ea"/>
-                <a:cs typeface="+mn-cs"/>
-              </a:rPr>
-              <a:t>, </a:t>
-            </a:r>
-            <a:r>
-              <a:rPr lang="en-US" sz="1200" kern="1200" baseline="0" dirty="0" err="1">
-                <a:solidFill>
-                  <a:schemeClr val="tx1"/>
-                </a:solidFill>
-                <a:effectLst/>
-                <a:latin typeface="+mn-lt"/>
-                <a:ea typeface="+mn-ea"/>
-                <a:cs typeface="+mn-cs"/>
-              </a:rPr>
-              <a:t>enquanto</a:t>
-            </a:r>
-            <a:r>
-              <a:rPr lang="en-US" sz="1200" kern="1200" baseline="0" dirty="0">
-                <a:solidFill>
-                  <a:schemeClr val="tx1"/>
-                </a:solidFill>
-                <a:effectLst/>
-                <a:latin typeface="+mn-lt"/>
-                <a:ea typeface="+mn-ea"/>
-                <a:cs typeface="+mn-cs"/>
-              </a:rPr>
-              <a:t> </a:t>
-            </a:r>
-            <a:r>
-              <a:rPr lang="en-US" sz="1200" kern="1200" baseline="0" dirty="0" err="1">
-                <a:solidFill>
-                  <a:schemeClr val="tx1"/>
-                </a:solidFill>
-                <a:effectLst/>
-                <a:latin typeface="+mn-lt"/>
-                <a:ea typeface="+mn-ea"/>
-                <a:cs typeface="+mn-cs"/>
-              </a:rPr>
-              <a:t>que</a:t>
-            </a:r>
-            <a:r>
-              <a:rPr lang="en-US" sz="1200" kern="1200" baseline="0" dirty="0">
-                <a:solidFill>
-                  <a:schemeClr val="tx1"/>
-                </a:solidFill>
-                <a:effectLst/>
-                <a:latin typeface="+mn-lt"/>
-                <a:ea typeface="+mn-ea"/>
-                <a:cs typeface="+mn-cs"/>
-              </a:rPr>
-              <a:t> com ADPCM </a:t>
-            </a:r>
-            <a:r>
-              <a:rPr lang="en-US" sz="1200" kern="1200" baseline="0" dirty="0" err="1">
-                <a:solidFill>
-                  <a:schemeClr val="tx1"/>
-                </a:solidFill>
-                <a:effectLst/>
-                <a:latin typeface="+mn-lt"/>
-                <a:ea typeface="+mn-ea"/>
-                <a:cs typeface="+mn-cs"/>
-              </a:rPr>
-              <a:t>são</a:t>
-            </a:r>
-            <a:r>
-              <a:rPr lang="en-US" sz="1200" kern="1200" baseline="0" dirty="0">
-                <a:solidFill>
-                  <a:schemeClr val="tx1"/>
-                </a:solidFill>
-                <a:effectLst/>
-                <a:latin typeface="+mn-lt"/>
-                <a:ea typeface="+mn-ea"/>
-                <a:cs typeface="+mn-cs"/>
-              </a:rPr>
-              <a:t> </a:t>
-            </a:r>
-            <a:r>
-              <a:rPr lang="en-US" sz="1200" kern="1200" baseline="0" dirty="0" err="1">
-                <a:solidFill>
-                  <a:schemeClr val="tx1"/>
-                </a:solidFill>
-                <a:effectLst/>
-                <a:latin typeface="+mn-lt"/>
-                <a:ea typeface="+mn-ea"/>
-                <a:cs typeface="+mn-cs"/>
-              </a:rPr>
-              <a:t>armazenados</a:t>
-            </a:r>
-            <a:r>
-              <a:rPr lang="en-US" sz="1200" kern="1200" baseline="0" dirty="0">
-                <a:solidFill>
-                  <a:schemeClr val="tx1"/>
-                </a:solidFill>
-                <a:effectLst/>
-                <a:latin typeface="+mn-lt"/>
-                <a:ea typeface="+mn-ea"/>
-                <a:cs typeface="+mn-cs"/>
-              </a:rPr>
-              <a:t> deltas entre </a:t>
-            </a:r>
-            <a:r>
-              <a:rPr lang="en-US" sz="1200" kern="1200" baseline="0" dirty="0" err="1">
-                <a:solidFill>
-                  <a:schemeClr val="tx1"/>
-                </a:solidFill>
-                <a:effectLst/>
-                <a:latin typeface="+mn-lt"/>
-                <a:ea typeface="+mn-ea"/>
-                <a:cs typeface="+mn-cs"/>
-              </a:rPr>
-              <a:t>amostras</a:t>
-            </a:r>
-            <a:r>
-              <a:rPr lang="en-US" sz="1200" kern="1200" baseline="0" dirty="0">
-                <a:solidFill>
-                  <a:schemeClr val="tx1"/>
-                </a:solidFill>
-                <a:effectLst/>
-                <a:latin typeface="+mn-lt"/>
-                <a:ea typeface="+mn-ea"/>
-                <a:cs typeface="+mn-cs"/>
-              </a:rPr>
-              <a:t>.</a:t>
-            </a:r>
-            <a:endParaRPr lang="pt-BR" dirty="0"/>
-          </a:p>
-        </p:txBody>
-      </p:sp>
-      <p:sp>
-        <p:nvSpPr>
-          <p:cNvPr id="4" name="Espaço Reservado para Número de Slide 3"/>
-          <p:cNvSpPr>
-            <a:spLocks noGrp="1"/>
-          </p:cNvSpPr>
-          <p:nvPr>
-            <p:ph type="sldNum" sz="quarter" idx="10"/>
-          </p:nvPr>
-        </p:nvSpPr>
-        <p:spPr/>
-        <p:txBody>
-          <a:bodyPr/>
-          <a:lstStyle/>
-          <a:p>
-            <a:fld id="{EF334A8D-C5BE-432D-90D0-92D67DD437AB}" type="slidenum">
-              <a:rPr lang="pt-BR" smtClean="0"/>
-              <a:pPr/>
-              <a:t>12</a:t>
-            </a:fld>
-            <a:endParaRPr lang="pt-BR"/>
-          </a:p>
-        </p:txBody>
-      </p:sp>
-    </p:spTree>
-    <p:extLst>
-      <p:ext uri="{BB962C8B-B14F-4D97-AF65-F5344CB8AC3E}">
-        <p14:creationId xmlns:p14="http://schemas.microsoft.com/office/powerpoint/2010/main" val="1942069253"/>
-      </p:ext>
-    </p:extLst>
-  </p:cSld>
-  <p:clrMapOvr>
-    <a:masterClrMapping/>
-  </p:clrMapOvr>
-</p:notes>
-</file>
-
-<file path=ppt/notesSlides/notesSlide6.xml><?xml version="1.0" encoding="utf-8"?>
-<p:notes xmlns:a="http://schemas.openxmlformats.org/drawingml/2006/main" xmlns:r="http://schemas.openxmlformats.org/officeDocument/2006/relationships" xmlns:p="http://schemas.openxmlformats.org/presentationml/2006/main">
-  <p:cSld>
-    <p:spTree>
-      <p:nvGrpSpPr>
-        <p:cNvPr id="1" name=""/>
-        <p:cNvGrpSpPr/>
-        <p:nvPr/>
-      </p:nvGrpSpPr>
-      <p:grpSpPr>
-        <a:xfrm>
-          <a:off x="0" y="0"/>
-          <a:ext cx="0" cy="0"/>
-          <a:chOff x="0" y="0"/>
-          <a:chExt cx="0" cy="0"/>
-        </a:xfrm>
-      </p:grpSpPr>
-      <p:sp>
-        <p:nvSpPr>
-          <p:cNvPr id="2" name="Espaço Reservado para Imagem de Slide 1"/>
-          <p:cNvSpPr>
-            <a:spLocks noGrp="1" noRot="1" noChangeAspect="1"/>
-          </p:cNvSpPr>
-          <p:nvPr>
-            <p:ph type="sldImg"/>
-          </p:nvPr>
-        </p:nvSpPr>
-        <p:spPr>
-          <a:xfrm>
-            <a:off x="381000" y="685800"/>
-            <a:ext cx="6096000" cy="3429000"/>
-          </a:xfrm>
-        </p:spPr>
-      </p:sp>
-      <p:sp>
-        <p:nvSpPr>
-          <p:cNvPr id="3" name="Espaço Reservado para Anotações 2"/>
-          <p:cNvSpPr>
-            <a:spLocks noGrp="1"/>
-          </p:cNvSpPr>
-          <p:nvPr>
-            <p:ph type="body" idx="1"/>
-          </p:nvPr>
-        </p:nvSpPr>
-        <p:spPr/>
-        <p:txBody>
-          <a:bodyPr/>
-          <a:lstStyle/>
-          <a:p>
-            <a:r>
-              <a:rPr lang="pt-BR" dirty="0"/>
-              <a:t>Uma </a:t>
-            </a:r>
-            <a:r>
-              <a:rPr lang="pt-BR" dirty="0" err="1"/>
-              <a:t>submix</a:t>
-            </a:r>
-            <a:r>
-              <a:rPr lang="pt-BR" dirty="0"/>
-              <a:t> </a:t>
-            </a:r>
-            <a:r>
-              <a:rPr lang="pt-BR" dirty="0" err="1"/>
-              <a:t>voice</a:t>
-            </a:r>
-            <a:r>
-              <a:rPr lang="pt-BR" baseline="0" dirty="0"/>
-              <a:t> é útil para aplicar efeitos sonoros sobre um conjunto de </a:t>
-            </a:r>
-            <a:r>
-              <a:rPr lang="pt-BR" baseline="0" dirty="0" err="1"/>
-              <a:t>source</a:t>
-            </a:r>
-            <a:r>
-              <a:rPr lang="pt-BR" baseline="0" dirty="0"/>
-              <a:t> </a:t>
-            </a:r>
-            <a:r>
-              <a:rPr lang="pt-BR" baseline="0" dirty="0" err="1"/>
-              <a:t>voices</a:t>
-            </a:r>
-            <a:r>
-              <a:rPr lang="pt-BR" baseline="0" dirty="0"/>
-              <a:t>. Por exemplo, </a:t>
-            </a:r>
-            <a:r>
-              <a:rPr lang="pt-BR" baseline="0" dirty="0" err="1"/>
-              <a:t>poderia-se</a:t>
-            </a:r>
-            <a:r>
-              <a:rPr lang="pt-BR" baseline="0" dirty="0"/>
-              <a:t> utilizar uma </a:t>
-            </a:r>
-            <a:r>
-              <a:rPr lang="pt-BR" baseline="0" dirty="0" err="1"/>
-              <a:t>submix</a:t>
-            </a:r>
-            <a:r>
-              <a:rPr lang="pt-BR" baseline="0" dirty="0"/>
-              <a:t> </a:t>
-            </a:r>
-            <a:r>
-              <a:rPr lang="pt-BR" baseline="0" dirty="0" err="1"/>
-              <a:t>voice</a:t>
-            </a:r>
-            <a:r>
-              <a:rPr lang="pt-BR" baseline="0" dirty="0"/>
-              <a:t> para controlar o volume de todos sons ao mesmo tempo, servindo como volume mestre.</a:t>
-            </a:r>
-            <a:endParaRPr lang="pt-BR" dirty="0"/>
-          </a:p>
-        </p:txBody>
-      </p:sp>
-      <p:sp>
-        <p:nvSpPr>
-          <p:cNvPr id="4" name="Espaço Reservado para Número de Slide 3"/>
-          <p:cNvSpPr>
-            <a:spLocks noGrp="1"/>
-          </p:cNvSpPr>
-          <p:nvPr>
-            <p:ph type="sldNum" sz="quarter" idx="10"/>
-          </p:nvPr>
-        </p:nvSpPr>
-        <p:spPr/>
-        <p:txBody>
-          <a:bodyPr/>
-          <a:lstStyle/>
-          <a:p>
-            <a:fld id="{EF334A8D-C5BE-432D-90D0-92D67DD437AB}" type="slidenum">
-              <a:rPr lang="pt-BR" smtClean="0"/>
-              <a:pPr/>
-              <a:t>14</a:t>
-            </a:fld>
-            <a:endParaRPr lang="pt-BR"/>
-          </a:p>
-        </p:txBody>
-      </p:sp>
-    </p:spTree>
-    <p:extLst>
-      <p:ext uri="{BB962C8B-B14F-4D97-AF65-F5344CB8AC3E}">
-        <p14:creationId xmlns:p14="http://schemas.microsoft.com/office/powerpoint/2010/main" val="3807553639"/>
-      </p:ext>
-    </p:extLst>
-  </p:cSld>
-  <p:clrMapOvr>
-    <a:masterClrMapping/>
-  </p:clrMapOvr>
-</p:notes>
-</file>
-
-<file path=ppt/notesSlides/notesSlide7.xml><?xml version="1.0" encoding="utf-8"?>
-<p:notes xmlns:a="http://schemas.openxmlformats.org/drawingml/2006/main" xmlns:r="http://schemas.openxmlformats.org/officeDocument/2006/relationships" xmlns:p="http://schemas.openxmlformats.org/presentationml/2006/main">
-  <p:cSld>
-    <p:spTree>
-      <p:nvGrpSpPr>
-        <p:cNvPr id="1" name=""/>
-        <p:cNvGrpSpPr/>
-        <p:nvPr/>
-      </p:nvGrpSpPr>
-      <p:grpSpPr>
-        <a:xfrm>
-          <a:off x="0" y="0"/>
-          <a:ext cx="0" cy="0"/>
-          <a:chOff x="0" y="0"/>
-          <a:chExt cx="0" cy="0"/>
-        </a:xfrm>
-      </p:grpSpPr>
-      <p:sp>
-        <p:nvSpPr>
-          <p:cNvPr id="2" name="Espaço Reservado para Imagem de Slide 1"/>
-          <p:cNvSpPr>
-            <a:spLocks noGrp="1" noRot="1" noChangeAspect="1"/>
-          </p:cNvSpPr>
-          <p:nvPr>
-            <p:ph type="sldImg"/>
-          </p:nvPr>
-        </p:nvSpPr>
-        <p:spPr>
-          <a:xfrm>
-            <a:off x="381000" y="685800"/>
-            <a:ext cx="6096000" cy="3429000"/>
-          </a:xfrm>
-        </p:spPr>
-      </p:sp>
-      <p:sp>
-        <p:nvSpPr>
-          <p:cNvPr id="3" name="Espaço Reservado para Anotações 2"/>
-          <p:cNvSpPr>
-            <a:spLocks noGrp="1"/>
-          </p:cNvSpPr>
-          <p:nvPr>
-            <p:ph type="body" idx="1"/>
-          </p:nvPr>
-        </p:nvSpPr>
-        <p:spPr/>
-        <p:txBody>
-          <a:bodyPr/>
-          <a:lstStyle/>
-          <a:p>
-            <a:r>
-              <a:rPr lang="pt-BR" dirty="0"/>
-              <a:t>XAudio2Create(</a:t>
-            </a:r>
-            <a:r>
-              <a:rPr lang="pt-BR" baseline="0" dirty="0"/>
-              <a:t>objeto do tipo IXAudio2, sempre Zero, número da CPU para processar áudio)</a:t>
-            </a:r>
-            <a:endParaRPr lang="pt-BR" dirty="0"/>
-          </a:p>
-        </p:txBody>
-      </p:sp>
-      <p:sp>
-        <p:nvSpPr>
-          <p:cNvPr id="4" name="Espaço Reservado para Número de Slide 3"/>
-          <p:cNvSpPr>
-            <a:spLocks noGrp="1"/>
-          </p:cNvSpPr>
-          <p:nvPr>
-            <p:ph type="sldNum" sz="quarter" idx="10"/>
-          </p:nvPr>
-        </p:nvSpPr>
-        <p:spPr/>
-        <p:txBody>
-          <a:bodyPr/>
-          <a:lstStyle/>
-          <a:p>
-            <a:fld id="{EF334A8D-C5BE-432D-90D0-92D67DD437AB}" type="slidenum">
-              <a:rPr lang="pt-BR" smtClean="0"/>
-              <a:pPr/>
-              <a:t>15</a:t>
-            </a:fld>
-            <a:endParaRPr lang="pt-BR"/>
-          </a:p>
-        </p:txBody>
-      </p:sp>
-    </p:spTree>
-    <p:extLst>
-      <p:ext uri="{BB962C8B-B14F-4D97-AF65-F5344CB8AC3E}">
-        <p14:creationId xmlns:p14="http://schemas.microsoft.com/office/powerpoint/2010/main" val="2934429103"/>
-      </p:ext>
-    </p:extLst>
-  </p:cSld>
-  <p:clrMapOvr>
-    <a:masterClrMapping/>
-  </p:clrMapOvr>
-</p:notes>
-</file>
-
-<file path=ppt/notesSlides/notesSlide8.xml><?xml version="1.0" encoding="utf-8"?>
-<p:notes xmlns:a="http://schemas.openxmlformats.org/drawingml/2006/main" xmlns:r="http://schemas.openxmlformats.org/officeDocument/2006/relationships" xmlns:p="http://schemas.openxmlformats.org/presentationml/2006/main">
-  <p:cSld>
-    <p:spTree>
-      <p:nvGrpSpPr>
-        <p:cNvPr id="1" name=""/>
-        <p:cNvGrpSpPr/>
-        <p:nvPr/>
-      </p:nvGrpSpPr>
-      <p:grpSpPr>
-        <a:xfrm>
-          <a:off x="0" y="0"/>
-          <a:ext cx="0" cy="0"/>
-          <a:chOff x="0" y="0"/>
-          <a:chExt cx="0" cy="0"/>
-        </a:xfrm>
-      </p:grpSpPr>
-      <p:sp>
-        <p:nvSpPr>
-          <p:cNvPr id="2" name="Espaço Reservado para Imagem de Slide 1"/>
-          <p:cNvSpPr>
-            <a:spLocks noGrp="1" noRot="1" noChangeAspect="1"/>
-          </p:cNvSpPr>
-          <p:nvPr>
-            <p:ph type="sldImg"/>
-          </p:nvPr>
-        </p:nvSpPr>
-        <p:spPr>
-          <a:xfrm>
-            <a:off x="381000" y="685800"/>
-            <a:ext cx="6096000" cy="3429000"/>
-          </a:xfrm>
-        </p:spPr>
-      </p:sp>
-      <p:sp>
-        <p:nvSpPr>
-          <p:cNvPr id="3" name="Espaço Reservado para Anotações 2"/>
-          <p:cNvSpPr>
-            <a:spLocks noGrp="1"/>
-          </p:cNvSpPr>
-          <p:nvPr>
-            <p:ph type="body" idx="1"/>
-          </p:nvPr>
-        </p:nvSpPr>
-        <p:spPr/>
-        <p:txBody>
-          <a:bodyPr/>
-          <a:lstStyle/>
-          <a:p>
-            <a:r>
-              <a:rPr lang="pt-BR" dirty="0"/>
-              <a:t>FindChunk</a:t>
-            </a:r>
-            <a:r>
-              <a:rPr lang="pt-BR" baseline="0" dirty="0"/>
-              <a:t> irá localizar um bloco (segundo parâmetro) e atualizar os valores de dwChunkSize e dwChunkPosition (terceiro e quarto parâmetros) de forma que eles apontem para o bloco requisitado. Estes valores serão passados para ReadChunkData que irá ler o bloco para a posição de memória indicada (segundo parâmetro).</a:t>
-            </a:r>
-            <a:endParaRPr lang="pt-BR" dirty="0"/>
-          </a:p>
-        </p:txBody>
-      </p:sp>
-      <p:sp>
-        <p:nvSpPr>
-          <p:cNvPr id="4" name="Espaço Reservado para Número de Slide 3"/>
-          <p:cNvSpPr>
-            <a:spLocks noGrp="1"/>
-          </p:cNvSpPr>
-          <p:nvPr>
-            <p:ph type="sldNum" sz="quarter" idx="10"/>
-          </p:nvPr>
-        </p:nvSpPr>
-        <p:spPr/>
-        <p:txBody>
-          <a:bodyPr/>
-          <a:lstStyle/>
-          <a:p>
-            <a:fld id="{EF334A8D-C5BE-432D-90D0-92D67DD437AB}" type="slidenum">
-              <a:rPr lang="pt-BR" smtClean="0"/>
-              <a:pPr/>
-              <a:t>18</a:t>
-            </a:fld>
-            <a:endParaRPr lang="pt-BR"/>
-          </a:p>
-        </p:txBody>
-      </p:sp>
-    </p:spTree>
-    <p:extLst>
-      <p:ext uri="{BB962C8B-B14F-4D97-AF65-F5344CB8AC3E}">
-        <p14:creationId xmlns:p14="http://schemas.microsoft.com/office/powerpoint/2010/main" val="1991007447"/>
-      </p:ext>
-    </p:extLst>
-  </p:cSld>
-  <p:clrMapOvr>
-    <a:masterClrMapping/>
-  </p:clrMapOvr>
-</p:notes>
-</file>
-
-<file path=ppt/notesSlides/notesSlide9.xml><?xml version="1.0" encoding="utf-8"?>
+<file path=ppt/notesSlides/notesSlide10.xml><?xml version="1.0" encoding="utf-8"?>
 <p:notes xmlns:a="http://schemas.openxmlformats.org/drawingml/2006/main" xmlns:r="http://schemas.openxmlformats.org/officeDocument/2006/relationships" xmlns:p="http://schemas.openxmlformats.org/presentationml/2006/main">
   <p:cSld>
     <p:spTree>
@@ -4573,6 +3540,1240 @@
     <p:extLst>
       <p:ext uri="{BB962C8B-B14F-4D97-AF65-F5344CB8AC3E}">
         <p14:creationId xmlns:p14="http://schemas.microsoft.com/office/powerpoint/2010/main" val="1282159236"/>
+      </p:ext>
+    </p:extLst>
+  </p:cSld>
+  <p:clrMapOvr>
+    <a:masterClrMapping/>
+  </p:clrMapOvr>
+</p:notes>
+</file>
+
+<file path=ppt/notesSlides/notesSlide2.xml><?xml version="1.0" encoding="utf-8"?>
+<p:notes xmlns:a="http://schemas.openxmlformats.org/drawingml/2006/main" xmlns:r="http://schemas.openxmlformats.org/officeDocument/2006/relationships" xmlns:p="http://schemas.openxmlformats.org/presentationml/2006/main">
+  <p:cSld>
+    <p:spTree>
+      <p:nvGrpSpPr>
+        <p:cNvPr id="1" name=""/>
+        <p:cNvGrpSpPr/>
+        <p:nvPr/>
+      </p:nvGrpSpPr>
+      <p:grpSpPr>
+        <a:xfrm>
+          <a:off x="0" y="0"/>
+          <a:ext cx="0" cy="0"/>
+          <a:chOff x="0" y="0"/>
+          <a:chExt cx="0" cy="0"/>
+        </a:xfrm>
+      </p:grpSpPr>
+      <p:sp>
+        <p:nvSpPr>
+          <p:cNvPr id="2" name="Espaço Reservado para Imagem de Slide 1"/>
+          <p:cNvSpPr>
+            <a:spLocks noGrp="1" noRot="1" noChangeAspect="1"/>
+          </p:cNvSpPr>
+          <p:nvPr>
+            <p:ph type="sldImg"/>
+          </p:nvPr>
+        </p:nvSpPr>
+        <p:spPr/>
+      </p:sp>
+      <p:sp>
+        <p:nvSpPr>
+          <p:cNvPr id="3" name="Espaço Reservado para Anotações 2"/>
+          <p:cNvSpPr>
+            <a:spLocks noGrp="1"/>
+          </p:cNvSpPr>
+          <p:nvPr>
+            <p:ph type="body" idx="1"/>
+          </p:nvPr>
+        </p:nvSpPr>
+        <p:spPr/>
+        <p:txBody>
+          <a:bodyPr/>
+          <a:lstStyle/>
+          <a:p>
+            <a:endParaRPr lang="pt-BR" dirty="0"/>
+          </a:p>
+        </p:txBody>
+      </p:sp>
+      <p:sp>
+        <p:nvSpPr>
+          <p:cNvPr id="4" name="Espaço Reservado para Número de Slide 3"/>
+          <p:cNvSpPr>
+            <a:spLocks noGrp="1"/>
+          </p:cNvSpPr>
+          <p:nvPr>
+            <p:ph type="sldNum" sz="quarter" idx="5"/>
+          </p:nvPr>
+        </p:nvSpPr>
+        <p:spPr/>
+        <p:txBody>
+          <a:bodyPr/>
+          <a:lstStyle/>
+          <a:p>
+            <a:fld id="{EF334A8D-C5BE-432D-90D0-92D67DD437AB}" type="slidenum">
+              <a:rPr lang="pt-BR" smtClean="0"/>
+              <a:pPr/>
+              <a:t>2</a:t>
+            </a:fld>
+            <a:endParaRPr lang="pt-BR"/>
+          </a:p>
+        </p:txBody>
+      </p:sp>
+    </p:spTree>
+    <p:extLst>
+      <p:ext uri="{BB962C8B-B14F-4D97-AF65-F5344CB8AC3E}">
+        <p14:creationId xmlns:p14="http://schemas.microsoft.com/office/powerpoint/2010/main" val="3345642914"/>
+      </p:ext>
+    </p:extLst>
+  </p:cSld>
+  <p:clrMapOvr>
+    <a:masterClrMapping/>
+  </p:clrMapOvr>
+</p:notes>
+</file>
+
+<file path=ppt/notesSlides/notesSlide3.xml><?xml version="1.0" encoding="utf-8"?>
+<p:notes xmlns:a="http://schemas.openxmlformats.org/drawingml/2006/main" xmlns:r="http://schemas.openxmlformats.org/officeDocument/2006/relationships" xmlns:p="http://schemas.openxmlformats.org/presentationml/2006/main">
+  <p:cSld>
+    <p:spTree>
+      <p:nvGrpSpPr>
+        <p:cNvPr id="1" name=""/>
+        <p:cNvGrpSpPr/>
+        <p:nvPr/>
+      </p:nvGrpSpPr>
+      <p:grpSpPr>
+        <a:xfrm>
+          <a:off x="0" y="0"/>
+          <a:ext cx="0" cy="0"/>
+          <a:chOff x="0" y="0"/>
+          <a:chExt cx="0" cy="0"/>
+        </a:xfrm>
+      </p:grpSpPr>
+      <p:sp>
+        <p:nvSpPr>
+          <p:cNvPr id="2" name="Espaço Reservado para Imagem de Slide 1"/>
+          <p:cNvSpPr>
+            <a:spLocks noGrp="1" noRot="1" noChangeAspect="1"/>
+          </p:cNvSpPr>
+          <p:nvPr>
+            <p:ph type="sldImg"/>
+          </p:nvPr>
+        </p:nvSpPr>
+        <p:spPr/>
+      </p:sp>
+      <p:sp>
+        <p:nvSpPr>
+          <p:cNvPr id="3" name="Espaço Reservado para Anotações 2"/>
+          <p:cNvSpPr>
+            <a:spLocks noGrp="1"/>
+          </p:cNvSpPr>
+          <p:nvPr>
+            <p:ph type="body" idx="1"/>
+          </p:nvPr>
+        </p:nvSpPr>
+        <p:spPr/>
+        <p:txBody>
+          <a:bodyPr/>
+          <a:lstStyle/>
+          <a:p>
+            <a:r>
+              <a:rPr lang="pt-BR" dirty="0"/>
+              <a:t>Diapasão gera uma vibração constante.</a:t>
+            </a:r>
+          </a:p>
+        </p:txBody>
+      </p:sp>
+      <p:sp>
+        <p:nvSpPr>
+          <p:cNvPr id="4" name="Espaço Reservado para Número de Slide 3"/>
+          <p:cNvSpPr>
+            <a:spLocks noGrp="1"/>
+          </p:cNvSpPr>
+          <p:nvPr>
+            <p:ph type="sldNum" sz="quarter" idx="10"/>
+          </p:nvPr>
+        </p:nvSpPr>
+        <p:spPr/>
+        <p:txBody>
+          <a:bodyPr/>
+          <a:lstStyle/>
+          <a:p>
+            <a:fld id="{EF334A8D-C5BE-432D-90D0-92D67DD437AB}" type="slidenum">
+              <a:rPr lang="pt-BR" smtClean="0"/>
+              <a:pPr/>
+              <a:t>3</a:t>
+            </a:fld>
+            <a:endParaRPr lang="pt-BR"/>
+          </a:p>
+        </p:txBody>
+      </p:sp>
+    </p:spTree>
+    <p:extLst>
+      <p:ext uri="{BB962C8B-B14F-4D97-AF65-F5344CB8AC3E}">
+        <p14:creationId xmlns:p14="http://schemas.microsoft.com/office/powerpoint/2010/main" val="2058088987"/>
+      </p:ext>
+    </p:extLst>
+  </p:cSld>
+  <p:clrMapOvr>
+    <a:masterClrMapping/>
+  </p:clrMapOvr>
+</p:notes>
+</file>
+
+<file path=ppt/notesSlides/notesSlide4.xml><?xml version="1.0" encoding="utf-8"?>
+<p:notes xmlns:a="http://schemas.openxmlformats.org/drawingml/2006/main" xmlns:r="http://schemas.openxmlformats.org/officeDocument/2006/relationships" xmlns:p="http://schemas.openxmlformats.org/presentationml/2006/main">
+  <p:cSld>
+    <p:spTree>
+      <p:nvGrpSpPr>
+        <p:cNvPr id="1" name=""/>
+        <p:cNvGrpSpPr/>
+        <p:nvPr/>
+      </p:nvGrpSpPr>
+      <p:grpSpPr>
+        <a:xfrm>
+          <a:off x="0" y="0"/>
+          <a:ext cx="0" cy="0"/>
+          <a:chOff x="0" y="0"/>
+          <a:chExt cx="0" cy="0"/>
+        </a:xfrm>
+      </p:grpSpPr>
+      <p:sp>
+        <p:nvSpPr>
+          <p:cNvPr id="2" name="Espaço Reservado para Imagem de Slide 1"/>
+          <p:cNvSpPr>
+            <a:spLocks noGrp="1" noRot="1" noChangeAspect="1"/>
+          </p:cNvSpPr>
+          <p:nvPr>
+            <p:ph type="sldImg"/>
+          </p:nvPr>
+        </p:nvSpPr>
+        <p:spPr/>
+      </p:sp>
+      <p:sp>
+        <p:nvSpPr>
+          <p:cNvPr id="3" name="Espaço Reservado para Anotações 2"/>
+          <p:cNvSpPr>
+            <a:spLocks noGrp="1"/>
+          </p:cNvSpPr>
+          <p:nvPr>
+            <p:ph type="body" idx="1"/>
+          </p:nvPr>
+        </p:nvSpPr>
+        <p:spPr/>
+        <p:txBody>
+          <a:bodyPr/>
+          <a:lstStyle/>
+          <a:p>
+            <a:r>
+              <a:rPr lang="pt-BR" dirty="0"/>
+              <a:t>A frequência está diretamente relacionada</a:t>
+            </a:r>
+            <a:r>
+              <a:rPr lang="pt-BR" baseline="0" dirty="0"/>
+              <a:t> com o comprimento da onda.</a:t>
+            </a:r>
+            <a:endParaRPr lang="pt-BR" dirty="0"/>
+          </a:p>
+        </p:txBody>
+      </p:sp>
+      <p:sp>
+        <p:nvSpPr>
+          <p:cNvPr id="4" name="Espaço Reservado para Número de Slide 3"/>
+          <p:cNvSpPr>
+            <a:spLocks noGrp="1"/>
+          </p:cNvSpPr>
+          <p:nvPr>
+            <p:ph type="sldNum" sz="quarter" idx="10"/>
+          </p:nvPr>
+        </p:nvSpPr>
+        <p:spPr/>
+        <p:txBody>
+          <a:bodyPr/>
+          <a:lstStyle/>
+          <a:p>
+            <a:fld id="{EF334A8D-C5BE-432D-90D0-92D67DD437AB}" type="slidenum">
+              <a:rPr lang="pt-BR" smtClean="0"/>
+              <a:pPr/>
+              <a:t>4</a:t>
+            </a:fld>
+            <a:endParaRPr lang="pt-BR"/>
+          </a:p>
+        </p:txBody>
+      </p:sp>
+    </p:spTree>
+    <p:extLst>
+      <p:ext uri="{BB962C8B-B14F-4D97-AF65-F5344CB8AC3E}">
+        <p14:creationId xmlns:p14="http://schemas.microsoft.com/office/powerpoint/2010/main" val="3257162474"/>
+      </p:ext>
+    </p:extLst>
+  </p:cSld>
+  <p:clrMapOvr>
+    <a:masterClrMapping/>
+  </p:clrMapOvr>
+</p:notes>
+</file>
+
+<file path=ppt/notesSlides/notesSlide5.xml><?xml version="1.0" encoding="utf-8"?>
+<p:notes xmlns:a="http://schemas.openxmlformats.org/drawingml/2006/main" xmlns:r="http://schemas.openxmlformats.org/officeDocument/2006/relationships" xmlns:p="http://schemas.openxmlformats.org/presentationml/2006/main">
+  <p:cSld>
+    <p:spTree>
+      <p:nvGrpSpPr>
+        <p:cNvPr id="1" name=""/>
+        <p:cNvGrpSpPr/>
+        <p:nvPr/>
+      </p:nvGrpSpPr>
+      <p:grpSpPr>
+        <a:xfrm>
+          <a:off x="0" y="0"/>
+          <a:ext cx="0" cy="0"/>
+          <a:chOff x="0" y="0"/>
+          <a:chExt cx="0" cy="0"/>
+        </a:xfrm>
+      </p:grpSpPr>
+      <p:sp>
+        <p:nvSpPr>
+          <p:cNvPr id="2" name="Espaço Reservado para Imagem de Slide 1"/>
+          <p:cNvSpPr>
+            <a:spLocks noGrp="1" noRot="1" noChangeAspect="1"/>
+          </p:cNvSpPr>
+          <p:nvPr>
+            <p:ph type="sldImg"/>
+          </p:nvPr>
+        </p:nvSpPr>
+        <p:spPr>
+          <a:xfrm>
+            <a:off x="381000" y="685800"/>
+            <a:ext cx="6096000" cy="3429000"/>
+          </a:xfrm>
+        </p:spPr>
+      </p:sp>
+      <p:sp>
+        <p:nvSpPr>
+          <p:cNvPr id="3" name="Espaço Reservado para Anotações 2"/>
+          <p:cNvSpPr>
+            <a:spLocks noGrp="1"/>
+          </p:cNvSpPr>
+          <p:nvPr>
+            <p:ph type="body" idx="1"/>
+          </p:nvPr>
+        </p:nvSpPr>
+        <p:spPr/>
+        <p:txBody>
+          <a:bodyPr/>
+          <a:lstStyle/>
+          <a:p>
+            <a:r>
+              <a:rPr lang="pt-BR" dirty="0"/>
+              <a:t>Xaudio2</a:t>
+            </a:r>
+            <a:r>
+              <a:rPr lang="pt-BR" baseline="0" dirty="0"/>
+              <a:t> é uma API mais moderna que veio para substituir DirectSound e Xaudio. DirectSound não deve mais ser usada em novos projetos.</a:t>
+            </a:r>
+            <a:endParaRPr lang="pt-BR" dirty="0"/>
+          </a:p>
+        </p:txBody>
+      </p:sp>
+      <p:sp>
+        <p:nvSpPr>
+          <p:cNvPr id="4" name="Espaço Reservado para Número de Slide 3"/>
+          <p:cNvSpPr>
+            <a:spLocks noGrp="1"/>
+          </p:cNvSpPr>
+          <p:nvPr>
+            <p:ph type="sldNum" sz="quarter" idx="10"/>
+          </p:nvPr>
+        </p:nvSpPr>
+        <p:spPr/>
+        <p:txBody>
+          <a:bodyPr/>
+          <a:lstStyle/>
+          <a:p>
+            <a:fld id="{EF334A8D-C5BE-432D-90D0-92D67DD437AB}" type="slidenum">
+              <a:rPr lang="pt-BR" smtClean="0"/>
+              <a:pPr/>
+              <a:t>10</a:t>
+            </a:fld>
+            <a:endParaRPr lang="pt-BR"/>
+          </a:p>
+        </p:txBody>
+      </p:sp>
+    </p:spTree>
+    <p:extLst>
+      <p:ext uri="{BB962C8B-B14F-4D97-AF65-F5344CB8AC3E}">
+        <p14:creationId xmlns:p14="http://schemas.microsoft.com/office/powerpoint/2010/main" val="3126741372"/>
+      </p:ext>
+    </p:extLst>
+  </p:cSld>
+  <p:clrMapOvr>
+    <a:masterClrMapping/>
+  </p:clrMapOvr>
+</p:notes>
+</file>
+
+<file path=ppt/notesSlides/notesSlide6.xml><?xml version="1.0" encoding="utf-8"?>
+<p:notes xmlns:a="http://schemas.openxmlformats.org/drawingml/2006/main" xmlns:r="http://schemas.openxmlformats.org/officeDocument/2006/relationships" xmlns:p="http://schemas.openxmlformats.org/presentationml/2006/main">
+  <p:cSld>
+    <p:spTree>
+      <p:nvGrpSpPr>
+        <p:cNvPr id="1" name=""/>
+        <p:cNvGrpSpPr/>
+        <p:nvPr/>
+      </p:nvGrpSpPr>
+      <p:grpSpPr>
+        <a:xfrm>
+          <a:off x="0" y="0"/>
+          <a:ext cx="0" cy="0"/>
+          <a:chOff x="0" y="0"/>
+          <a:chExt cx="0" cy="0"/>
+        </a:xfrm>
+      </p:grpSpPr>
+      <p:sp>
+        <p:nvSpPr>
+          <p:cNvPr id="2" name="Espaço Reservado para Imagem de Slide 1"/>
+          <p:cNvSpPr>
+            <a:spLocks noGrp="1" noRot="1" noChangeAspect="1"/>
+          </p:cNvSpPr>
+          <p:nvPr>
+            <p:ph type="sldImg"/>
+          </p:nvPr>
+        </p:nvSpPr>
+        <p:spPr>
+          <a:xfrm>
+            <a:off x="381000" y="685800"/>
+            <a:ext cx="6096000" cy="3429000"/>
+          </a:xfrm>
+        </p:spPr>
+      </p:sp>
+      <p:sp>
+        <p:nvSpPr>
+          <p:cNvPr id="3" name="Espaço Reservado para Anotações 2"/>
+          <p:cNvSpPr>
+            <a:spLocks noGrp="1"/>
+          </p:cNvSpPr>
+          <p:nvPr>
+            <p:ph type="body" idx="1"/>
+          </p:nvPr>
+        </p:nvSpPr>
+        <p:spPr/>
+        <p:txBody>
+          <a:bodyPr/>
+          <a:lstStyle/>
+          <a:p>
+            <a:r>
+              <a:rPr lang="pt-BR" dirty="0"/>
+              <a:t>Exemplos</a:t>
+            </a:r>
+            <a:r>
+              <a:rPr lang="pt-BR" baseline="0" dirty="0"/>
+              <a:t> de efeitos de DSP e filtragem: eco, entonação (grave, agudo), reverberação, oclusão, corte das frequências baixas ou altas de um som</a:t>
+            </a:r>
+            <a:br>
+              <a:rPr lang="pt-BR" baseline="0" dirty="0"/>
+            </a:br>
+            <a:br>
+              <a:rPr lang="pt-BR" baseline="0" dirty="0"/>
+            </a:br>
+            <a:r>
+              <a:rPr lang="en-US" sz="1200" kern="1200" dirty="0">
+                <a:solidFill>
+                  <a:schemeClr val="tx1"/>
+                </a:solidFill>
+                <a:effectLst/>
+                <a:latin typeface="+mn-lt"/>
+                <a:ea typeface="+mn-ea"/>
+                <a:cs typeface="+mn-cs"/>
+              </a:rPr>
+              <a:t>Pulse Code Modulation (PCM) e Adaptive Delta Pulse Code Modulation (ADPCM) </a:t>
+            </a:r>
+            <a:r>
+              <a:rPr lang="en-US" sz="1200" kern="1200" dirty="0" err="1">
+                <a:solidFill>
+                  <a:schemeClr val="tx1"/>
+                </a:solidFill>
+                <a:effectLst/>
+                <a:latin typeface="+mn-lt"/>
+                <a:ea typeface="+mn-ea"/>
+                <a:cs typeface="+mn-cs"/>
+              </a:rPr>
+              <a:t>são</a:t>
+            </a:r>
+            <a:r>
+              <a:rPr lang="en-US" sz="1200" kern="1200" dirty="0">
+                <a:solidFill>
+                  <a:schemeClr val="tx1"/>
+                </a:solidFill>
+                <a:effectLst/>
+                <a:latin typeface="+mn-lt"/>
+                <a:ea typeface="+mn-ea"/>
+                <a:cs typeface="+mn-cs"/>
+              </a:rPr>
+              <a:t> subclasses do</a:t>
+            </a:r>
+            <a:r>
+              <a:rPr lang="en-US" sz="1200" kern="1200" baseline="0" dirty="0">
+                <a:solidFill>
+                  <a:schemeClr val="tx1"/>
+                </a:solidFill>
+                <a:effectLst/>
+                <a:latin typeface="+mn-lt"/>
+                <a:ea typeface="+mn-ea"/>
+                <a:cs typeface="+mn-cs"/>
+              </a:rPr>
+              <a:t> </a:t>
+            </a:r>
+            <a:r>
+              <a:rPr lang="en-US" sz="1200" kern="1200" baseline="0" dirty="0" err="1">
+                <a:solidFill>
+                  <a:schemeClr val="tx1"/>
+                </a:solidFill>
+                <a:effectLst/>
+                <a:latin typeface="+mn-lt"/>
+                <a:ea typeface="+mn-ea"/>
+                <a:cs typeface="+mn-cs"/>
+              </a:rPr>
+              <a:t>formato</a:t>
+            </a:r>
+            <a:r>
+              <a:rPr lang="en-US" sz="1200" kern="1200" baseline="0" dirty="0">
+                <a:solidFill>
+                  <a:schemeClr val="tx1"/>
+                </a:solidFill>
+                <a:effectLst/>
+                <a:latin typeface="+mn-lt"/>
+                <a:ea typeface="+mn-ea"/>
+                <a:cs typeface="+mn-cs"/>
+              </a:rPr>
+              <a:t> de </a:t>
+            </a:r>
+            <a:r>
+              <a:rPr lang="en-US" sz="1200" kern="1200" baseline="0" dirty="0" err="1">
+                <a:solidFill>
+                  <a:schemeClr val="tx1"/>
+                </a:solidFill>
+                <a:effectLst/>
+                <a:latin typeface="+mn-lt"/>
+                <a:ea typeface="+mn-ea"/>
+                <a:cs typeface="+mn-cs"/>
+              </a:rPr>
+              <a:t>arquivo</a:t>
+            </a:r>
+            <a:r>
+              <a:rPr lang="en-US" sz="1200" kern="1200" baseline="0" dirty="0">
+                <a:solidFill>
+                  <a:schemeClr val="tx1"/>
+                </a:solidFill>
+                <a:effectLst/>
+                <a:latin typeface="+mn-lt"/>
+                <a:ea typeface="+mn-ea"/>
+                <a:cs typeface="+mn-cs"/>
+              </a:rPr>
+              <a:t> </a:t>
+            </a:r>
+            <a:r>
+              <a:rPr lang="en-US" sz="1200" kern="1200" dirty="0">
+                <a:solidFill>
+                  <a:schemeClr val="tx1"/>
+                </a:solidFill>
+                <a:effectLst/>
+                <a:latin typeface="+mn-lt"/>
+                <a:ea typeface="+mn-ea"/>
+                <a:cs typeface="+mn-cs"/>
+              </a:rPr>
+              <a:t>.WAV. Com PCM, </a:t>
+            </a:r>
+            <a:r>
+              <a:rPr lang="en-US" sz="1200" kern="1200" dirty="0" err="1">
+                <a:solidFill>
+                  <a:schemeClr val="tx1"/>
+                </a:solidFill>
+                <a:effectLst/>
+                <a:latin typeface="+mn-lt"/>
+                <a:ea typeface="+mn-ea"/>
+                <a:cs typeface="+mn-cs"/>
+              </a:rPr>
+              <a:t>os</a:t>
+            </a:r>
+            <a:r>
+              <a:rPr lang="en-US" sz="1200" kern="1200" dirty="0">
+                <a:solidFill>
+                  <a:schemeClr val="tx1"/>
+                </a:solidFill>
+                <a:effectLst/>
+                <a:latin typeface="+mn-lt"/>
+                <a:ea typeface="+mn-ea"/>
+                <a:cs typeface="+mn-cs"/>
+              </a:rPr>
+              <a:t> dados </a:t>
+            </a:r>
+            <a:r>
+              <a:rPr lang="en-US" sz="1200" kern="1200" dirty="0" err="1">
+                <a:solidFill>
+                  <a:schemeClr val="tx1"/>
+                </a:solidFill>
+                <a:effectLst/>
+                <a:latin typeface="+mn-lt"/>
+                <a:ea typeface="+mn-ea"/>
+                <a:cs typeface="+mn-cs"/>
+              </a:rPr>
+              <a:t>para</a:t>
+            </a:r>
+            <a:r>
+              <a:rPr lang="en-US" sz="1200" kern="1200" dirty="0">
+                <a:solidFill>
+                  <a:schemeClr val="tx1"/>
+                </a:solidFill>
+                <a:effectLst/>
+                <a:latin typeface="+mn-lt"/>
+                <a:ea typeface="+mn-ea"/>
+                <a:cs typeface="+mn-cs"/>
+              </a:rPr>
+              <a:t> o </a:t>
+            </a:r>
+            <a:r>
+              <a:rPr lang="en-US" sz="1200" kern="1200" dirty="0" err="1">
+                <a:solidFill>
+                  <a:schemeClr val="tx1"/>
+                </a:solidFill>
+                <a:effectLst/>
+                <a:latin typeface="+mn-lt"/>
+                <a:ea typeface="+mn-ea"/>
+                <a:cs typeface="+mn-cs"/>
+              </a:rPr>
+              <a:t>arquivo</a:t>
+            </a:r>
+            <a:r>
+              <a:rPr lang="en-US" sz="1200" kern="1200" dirty="0">
+                <a:solidFill>
+                  <a:schemeClr val="tx1"/>
+                </a:solidFill>
+                <a:effectLst/>
+                <a:latin typeface="+mn-lt"/>
+                <a:ea typeface="+mn-ea"/>
+                <a:cs typeface="+mn-cs"/>
+              </a:rPr>
+              <a:t> .WAV </a:t>
+            </a:r>
+            <a:r>
+              <a:rPr lang="en-US" sz="1200" kern="1200" dirty="0" err="1">
+                <a:solidFill>
+                  <a:schemeClr val="tx1"/>
+                </a:solidFill>
+                <a:effectLst/>
+                <a:latin typeface="+mn-lt"/>
+                <a:ea typeface="+mn-ea"/>
+                <a:cs typeface="+mn-cs"/>
+              </a:rPr>
+              <a:t>são</a:t>
+            </a:r>
+            <a:r>
+              <a:rPr lang="en-US" sz="1200" kern="1200" dirty="0">
+                <a:solidFill>
+                  <a:schemeClr val="tx1"/>
+                </a:solidFill>
+                <a:effectLst/>
+                <a:latin typeface="+mn-lt"/>
+                <a:ea typeface="+mn-ea"/>
+                <a:cs typeface="+mn-cs"/>
+              </a:rPr>
+              <a:t> </a:t>
+            </a:r>
+            <a:r>
+              <a:rPr lang="en-US" sz="1200" kern="1200" dirty="0" err="1">
+                <a:solidFill>
+                  <a:schemeClr val="tx1"/>
+                </a:solidFill>
+                <a:effectLst/>
+                <a:latin typeface="+mn-lt"/>
+                <a:ea typeface="+mn-ea"/>
+                <a:cs typeface="+mn-cs"/>
+              </a:rPr>
+              <a:t>armazenados</a:t>
+            </a:r>
+            <a:r>
+              <a:rPr lang="en-US" sz="1200" kern="1200" baseline="0" dirty="0">
+                <a:solidFill>
+                  <a:schemeClr val="tx1"/>
+                </a:solidFill>
+                <a:effectLst/>
+                <a:latin typeface="+mn-lt"/>
+                <a:ea typeface="+mn-ea"/>
+                <a:cs typeface="+mn-cs"/>
+              </a:rPr>
+              <a:t> </a:t>
+            </a:r>
+            <a:r>
+              <a:rPr lang="en-US" sz="1200" kern="1200" baseline="0" dirty="0" err="1">
+                <a:solidFill>
+                  <a:schemeClr val="tx1"/>
+                </a:solidFill>
+                <a:effectLst/>
+                <a:latin typeface="+mn-lt"/>
+                <a:ea typeface="+mn-ea"/>
+                <a:cs typeface="+mn-cs"/>
+              </a:rPr>
+              <a:t>em</a:t>
+            </a:r>
+            <a:r>
+              <a:rPr lang="en-US" sz="1200" kern="1200" baseline="0" dirty="0">
+                <a:solidFill>
+                  <a:schemeClr val="tx1"/>
+                </a:solidFill>
+                <a:effectLst/>
+                <a:latin typeface="+mn-lt"/>
+                <a:ea typeface="+mn-ea"/>
+                <a:cs typeface="+mn-cs"/>
+              </a:rPr>
+              <a:t> </a:t>
+            </a:r>
+            <a:r>
+              <a:rPr lang="en-US" sz="1200" kern="1200" baseline="0" dirty="0" err="1">
+                <a:solidFill>
+                  <a:schemeClr val="tx1"/>
+                </a:solidFill>
+                <a:effectLst/>
+                <a:latin typeface="+mn-lt"/>
+                <a:ea typeface="+mn-ea"/>
+                <a:cs typeface="+mn-cs"/>
+              </a:rPr>
+              <a:t>amostras</a:t>
+            </a:r>
+            <a:r>
+              <a:rPr lang="en-US" sz="1200" kern="1200" baseline="0" dirty="0">
+                <a:solidFill>
+                  <a:schemeClr val="tx1"/>
+                </a:solidFill>
+                <a:effectLst/>
+                <a:latin typeface="+mn-lt"/>
+                <a:ea typeface="+mn-ea"/>
+                <a:cs typeface="+mn-cs"/>
+              </a:rPr>
+              <a:t> </a:t>
+            </a:r>
+            <a:r>
+              <a:rPr lang="en-US" sz="1200" kern="1200" baseline="0" dirty="0" err="1">
+                <a:solidFill>
+                  <a:schemeClr val="tx1"/>
+                </a:solidFill>
+                <a:effectLst/>
+                <a:latin typeface="+mn-lt"/>
+                <a:ea typeface="+mn-ea"/>
+                <a:cs typeface="+mn-cs"/>
+              </a:rPr>
+              <a:t>lineares</a:t>
+            </a:r>
+            <a:r>
+              <a:rPr lang="en-US" sz="1200" kern="1200" baseline="0" dirty="0">
+                <a:solidFill>
+                  <a:schemeClr val="tx1"/>
+                </a:solidFill>
+                <a:effectLst/>
+                <a:latin typeface="+mn-lt"/>
+                <a:ea typeface="+mn-ea"/>
+                <a:cs typeface="+mn-cs"/>
+              </a:rPr>
+              <a:t>, </a:t>
+            </a:r>
+            <a:r>
+              <a:rPr lang="en-US" sz="1200" kern="1200" baseline="0" dirty="0" err="1">
+                <a:solidFill>
+                  <a:schemeClr val="tx1"/>
+                </a:solidFill>
+                <a:effectLst/>
+                <a:latin typeface="+mn-lt"/>
+                <a:ea typeface="+mn-ea"/>
+                <a:cs typeface="+mn-cs"/>
+              </a:rPr>
+              <a:t>enquanto</a:t>
+            </a:r>
+            <a:r>
+              <a:rPr lang="en-US" sz="1200" kern="1200" baseline="0" dirty="0">
+                <a:solidFill>
+                  <a:schemeClr val="tx1"/>
+                </a:solidFill>
+                <a:effectLst/>
+                <a:latin typeface="+mn-lt"/>
+                <a:ea typeface="+mn-ea"/>
+                <a:cs typeface="+mn-cs"/>
+              </a:rPr>
+              <a:t> </a:t>
+            </a:r>
+            <a:r>
+              <a:rPr lang="en-US" sz="1200" kern="1200" baseline="0" dirty="0" err="1">
+                <a:solidFill>
+                  <a:schemeClr val="tx1"/>
+                </a:solidFill>
+                <a:effectLst/>
+                <a:latin typeface="+mn-lt"/>
+                <a:ea typeface="+mn-ea"/>
+                <a:cs typeface="+mn-cs"/>
+              </a:rPr>
+              <a:t>que</a:t>
+            </a:r>
+            <a:r>
+              <a:rPr lang="en-US" sz="1200" kern="1200" baseline="0" dirty="0">
+                <a:solidFill>
+                  <a:schemeClr val="tx1"/>
+                </a:solidFill>
+                <a:effectLst/>
+                <a:latin typeface="+mn-lt"/>
+                <a:ea typeface="+mn-ea"/>
+                <a:cs typeface="+mn-cs"/>
+              </a:rPr>
+              <a:t> com ADPCM </a:t>
+            </a:r>
+            <a:r>
+              <a:rPr lang="en-US" sz="1200" kern="1200" baseline="0" dirty="0" err="1">
+                <a:solidFill>
+                  <a:schemeClr val="tx1"/>
+                </a:solidFill>
+                <a:effectLst/>
+                <a:latin typeface="+mn-lt"/>
+                <a:ea typeface="+mn-ea"/>
+                <a:cs typeface="+mn-cs"/>
+              </a:rPr>
+              <a:t>são</a:t>
+            </a:r>
+            <a:r>
+              <a:rPr lang="en-US" sz="1200" kern="1200" baseline="0" dirty="0">
+                <a:solidFill>
+                  <a:schemeClr val="tx1"/>
+                </a:solidFill>
+                <a:effectLst/>
+                <a:latin typeface="+mn-lt"/>
+                <a:ea typeface="+mn-ea"/>
+                <a:cs typeface="+mn-cs"/>
+              </a:rPr>
+              <a:t> </a:t>
+            </a:r>
+            <a:r>
+              <a:rPr lang="en-US" sz="1200" kern="1200" baseline="0" dirty="0" err="1">
+                <a:solidFill>
+                  <a:schemeClr val="tx1"/>
+                </a:solidFill>
+                <a:effectLst/>
+                <a:latin typeface="+mn-lt"/>
+                <a:ea typeface="+mn-ea"/>
+                <a:cs typeface="+mn-cs"/>
+              </a:rPr>
+              <a:t>armazenados</a:t>
+            </a:r>
+            <a:r>
+              <a:rPr lang="en-US" sz="1200" kern="1200" baseline="0" dirty="0">
+                <a:solidFill>
+                  <a:schemeClr val="tx1"/>
+                </a:solidFill>
+                <a:effectLst/>
+                <a:latin typeface="+mn-lt"/>
+                <a:ea typeface="+mn-ea"/>
+                <a:cs typeface="+mn-cs"/>
+              </a:rPr>
+              <a:t> deltas entre </a:t>
+            </a:r>
+            <a:r>
+              <a:rPr lang="en-US" sz="1200" kern="1200" baseline="0" dirty="0" err="1">
+                <a:solidFill>
+                  <a:schemeClr val="tx1"/>
+                </a:solidFill>
+                <a:effectLst/>
+                <a:latin typeface="+mn-lt"/>
+                <a:ea typeface="+mn-ea"/>
+                <a:cs typeface="+mn-cs"/>
+              </a:rPr>
+              <a:t>amostras</a:t>
+            </a:r>
+            <a:r>
+              <a:rPr lang="en-US" sz="1200" kern="1200" baseline="0" dirty="0">
+                <a:solidFill>
+                  <a:schemeClr val="tx1"/>
+                </a:solidFill>
+                <a:effectLst/>
+                <a:latin typeface="+mn-lt"/>
+                <a:ea typeface="+mn-ea"/>
+                <a:cs typeface="+mn-cs"/>
+              </a:rPr>
+              <a:t>.</a:t>
+            </a:r>
+            <a:endParaRPr lang="pt-BR" dirty="0"/>
+          </a:p>
+        </p:txBody>
+      </p:sp>
+      <p:sp>
+        <p:nvSpPr>
+          <p:cNvPr id="4" name="Espaço Reservado para Número de Slide 3"/>
+          <p:cNvSpPr>
+            <a:spLocks noGrp="1"/>
+          </p:cNvSpPr>
+          <p:nvPr>
+            <p:ph type="sldNum" sz="quarter" idx="10"/>
+          </p:nvPr>
+        </p:nvSpPr>
+        <p:spPr/>
+        <p:txBody>
+          <a:bodyPr/>
+          <a:lstStyle/>
+          <a:p>
+            <a:fld id="{EF334A8D-C5BE-432D-90D0-92D67DD437AB}" type="slidenum">
+              <a:rPr lang="pt-BR" smtClean="0"/>
+              <a:pPr/>
+              <a:t>12</a:t>
+            </a:fld>
+            <a:endParaRPr lang="pt-BR"/>
+          </a:p>
+        </p:txBody>
+      </p:sp>
+    </p:spTree>
+    <p:extLst>
+      <p:ext uri="{BB962C8B-B14F-4D97-AF65-F5344CB8AC3E}">
+        <p14:creationId xmlns:p14="http://schemas.microsoft.com/office/powerpoint/2010/main" val="1942069253"/>
+      </p:ext>
+    </p:extLst>
+  </p:cSld>
+  <p:clrMapOvr>
+    <a:masterClrMapping/>
+  </p:clrMapOvr>
+</p:notes>
+</file>
+
+<file path=ppt/notesSlides/notesSlide7.xml><?xml version="1.0" encoding="utf-8"?>
+<p:notes xmlns:a="http://schemas.openxmlformats.org/drawingml/2006/main" xmlns:r="http://schemas.openxmlformats.org/officeDocument/2006/relationships" xmlns:p="http://schemas.openxmlformats.org/presentationml/2006/main">
+  <p:cSld>
+    <p:spTree>
+      <p:nvGrpSpPr>
+        <p:cNvPr id="1" name=""/>
+        <p:cNvGrpSpPr/>
+        <p:nvPr/>
+      </p:nvGrpSpPr>
+      <p:grpSpPr>
+        <a:xfrm>
+          <a:off x="0" y="0"/>
+          <a:ext cx="0" cy="0"/>
+          <a:chOff x="0" y="0"/>
+          <a:chExt cx="0" cy="0"/>
+        </a:xfrm>
+      </p:grpSpPr>
+      <p:sp>
+        <p:nvSpPr>
+          <p:cNvPr id="2" name="Espaço Reservado para Imagem de Slide 1"/>
+          <p:cNvSpPr>
+            <a:spLocks noGrp="1" noRot="1" noChangeAspect="1"/>
+          </p:cNvSpPr>
+          <p:nvPr>
+            <p:ph type="sldImg"/>
+          </p:nvPr>
+        </p:nvSpPr>
+        <p:spPr>
+          <a:xfrm>
+            <a:off x="381000" y="685800"/>
+            <a:ext cx="6096000" cy="3429000"/>
+          </a:xfrm>
+        </p:spPr>
+      </p:sp>
+      <p:sp>
+        <p:nvSpPr>
+          <p:cNvPr id="3" name="Espaço Reservado para Anotações 2"/>
+          <p:cNvSpPr>
+            <a:spLocks noGrp="1"/>
+          </p:cNvSpPr>
+          <p:nvPr>
+            <p:ph type="body" idx="1"/>
+          </p:nvPr>
+        </p:nvSpPr>
+        <p:spPr/>
+        <p:txBody>
+          <a:bodyPr/>
+          <a:lstStyle/>
+          <a:p>
+            <a:r>
+              <a:rPr lang="pt-BR" dirty="0"/>
+              <a:t>Uma </a:t>
+            </a:r>
+            <a:r>
+              <a:rPr lang="pt-BR" dirty="0" err="1"/>
+              <a:t>submix</a:t>
+            </a:r>
+            <a:r>
+              <a:rPr lang="pt-BR" dirty="0"/>
+              <a:t> </a:t>
+            </a:r>
+            <a:r>
+              <a:rPr lang="pt-BR" dirty="0" err="1"/>
+              <a:t>voice</a:t>
+            </a:r>
+            <a:r>
+              <a:rPr lang="pt-BR" baseline="0" dirty="0"/>
+              <a:t> é útil para aplicar efeitos sonoros sobre um conjunto de </a:t>
+            </a:r>
+            <a:r>
+              <a:rPr lang="pt-BR" baseline="0" dirty="0" err="1"/>
+              <a:t>source</a:t>
+            </a:r>
+            <a:r>
+              <a:rPr lang="pt-BR" baseline="0" dirty="0"/>
+              <a:t> </a:t>
+            </a:r>
+            <a:r>
+              <a:rPr lang="pt-BR" baseline="0" dirty="0" err="1"/>
+              <a:t>voices</a:t>
+            </a:r>
+            <a:r>
+              <a:rPr lang="pt-BR" baseline="0" dirty="0"/>
+              <a:t>. Por exemplo, </a:t>
+            </a:r>
+            <a:r>
+              <a:rPr lang="pt-BR" baseline="0" dirty="0" err="1"/>
+              <a:t>poderia-se</a:t>
+            </a:r>
+            <a:r>
+              <a:rPr lang="pt-BR" baseline="0" dirty="0"/>
+              <a:t> utilizar uma </a:t>
+            </a:r>
+            <a:r>
+              <a:rPr lang="pt-BR" baseline="0" dirty="0" err="1"/>
+              <a:t>submix</a:t>
+            </a:r>
+            <a:r>
+              <a:rPr lang="pt-BR" baseline="0" dirty="0"/>
+              <a:t> </a:t>
+            </a:r>
+            <a:r>
+              <a:rPr lang="pt-BR" baseline="0" dirty="0" err="1"/>
+              <a:t>voice</a:t>
+            </a:r>
+            <a:r>
+              <a:rPr lang="pt-BR" baseline="0" dirty="0"/>
+              <a:t> para controlar o volume de todos sons ao mesmo tempo, servindo como volume mestre.</a:t>
+            </a:r>
+            <a:endParaRPr lang="pt-BR" dirty="0"/>
+          </a:p>
+        </p:txBody>
+      </p:sp>
+      <p:sp>
+        <p:nvSpPr>
+          <p:cNvPr id="4" name="Espaço Reservado para Número de Slide 3"/>
+          <p:cNvSpPr>
+            <a:spLocks noGrp="1"/>
+          </p:cNvSpPr>
+          <p:nvPr>
+            <p:ph type="sldNum" sz="quarter" idx="10"/>
+          </p:nvPr>
+        </p:nvSpPr>
+        <p:spPr/>
+        <p:txBody>
+          <a:bodyPr/>
+          <a:lstStyle/>
+          <a:p>
+            <a:fld id="{EF334A8D-C5BE-432D-90D0-92D67DD437AB}" type="slidenum">
+              <a:rPr lang="pt-BR" smtClean="0"/>
+              <a:pPr/>
+              <a:t>14</a:t>
+            </a:fld>
+            <a:endParaRPr lang="pt-BR"/>
+          </a:p>
+        </p:txBody>
+      </p:sp>
+    </p:spTree>
+    <p:extLst>
+      <p:ext uri="{BB962C8B-B14F-4D97-AF65-F5344CB8AC3E}">
+        <p14:creationId xmlns:p14="http://schemas.microsoft.com/office/powerpoint/2010/main" val="3807553639"/>
+      </p:ext>
+    </p:extLst>
+  </p:cSld>
+  <p:clrMapOvr>
+    <a:masterClrMapping/>
+  </p:clrMapOvr>
+</p:notes>
+</file>
+
+<file path=ppt/notesSlides/notesSlide8.xml><?xml version="1.0" encoding="utf-8"?>
+<p:notes xmlns:a="http://schemas.openxmlformats.org/drawingml/2006/main" xmlns:r="http://schemas.openxmlformats.org/officeDocument/2006/relationships" xmlns:p="http://schemas.openxmlformats.org/presentationml/2006/main">
+  <p:cSld>
+    <p:spTree>
+      <p:nvGrpSpPr>
+        <p:cNvPr id="1" name=""/>
+        <p:cNvGrpSpPr/>
+        <p:nvPr/>
+      </p:nvGrpSpPr>
+      <p:grpSpPr>
+        <a:xfrm>
+          <a:off x="0" y="0"/>
+          <a:ext cx="0" cy="0"/>
+          <a:chOff x="0" y="0"/>
+          <a:chExt cx="0" cy="0"/>
+        </a:xfrm>
+      </p:grpSpPr>
+      <p:sp>
+        <p:nvSpPr>
+          <p:cNvPr id="2" name="Espaço Reservado para Imagem de Slide 1"/>
+          <p:cNvSpPr>
+            <a:spLocks noGrp="1" noRot="1" noChangeAspect="1"/>
+          </p:cNvSpPr>
+          <p:nvPr>
+            <p:ph type="sldImg"/>
+          </p:nvPr>
+        </p:nvSpPr>
+        <p:spPr>
+          <a:xfrm>
+            <a:off x="381000" y="685800"/>
+            <a:ext cx="6096000" cy="3429000"/>
+          </a:xfrm>
+        </p:spPr>
+      </p:sp>
+      <p:sp>
+        <p:nvSpPr>
+          <p:cNvPr id="3" name="Espaço Reservado para Anotações 2"/>
+          <p:cNvSpPr>
+            <a:spLocks noGrp="1"/>
+          </p:cNvSpPr>
+          <p:nvPr>
+            <p:ph type="body" idx="1"/>
+          </p:nvPr>
+        </p:nvSpPr>
+        <p:spPr/>
+        <p:txBody>
+          <a:bodyPr/>
+          <a:lstStyle/>
+          <a:p>
+            <a:r>
+              <a:rPr lang="pt-BR" dirty="0"/>
+              <a:t>XAudio2Create(</a:t>
+            </a:r>
+            <a:r>
+              <a:rPr lang="pt-BR" baseline="0" dirty="0"/>
+              <a:t>objeto do tipo IXAudio2, sempre Zero, número da CPU para processar áudio)</a:t>
+            </a:r>
+            <a:endParaRPr lang="pt-BR" dirty="0"/>
+          </a:p>
+        </p:txBody>
+      </p:sp>
+      <p:sp>
+        <p:nvSpPr>
+          <p:cNvPr id="4" name="Espaço Reservado para Número de Slide 3"/>
+          <p:cNvSpPr>
+            <a:spLocks noGrp="1"/>
+          </p:cNvSpPr>
+          <p:nvPr>
+            <p:ph type="sldNum" sz="quarter" idx="10"/>
+          </p:nvPr>
+        </p:nvSpPr>
+        <p:spPr/>
+        <p:txBody>
+          <a:bodyPr/>
+          <a:lstStyle/>
+          <a:p>
+            <a:fld id="{EF334A8D-C5BE-432D-90D0-92D67DD437AB}" type="slidenum">
+              <a:rPr lang="pt-BR" smtClean="0"/>
+              <a:pPr/>
+              <a:t>15</a:t>
+            </a:fld>
+            <a:endParaRPr lang="pt-BR"/>
+          </a:p>
+        </p:txBody>
+      </p:sp>
+    </p:spTree>
+    <p:extLst>
+      <p:ext uri="{BB962C8B-B14F-4D97-AF65-F5344CB8AC3E}">
+        <p14:creationId xmlns:p14="http://schemas.microsoft.com/office/powerpoint/2010/main" val="2934429103"/>
+      </p:ext>
+    </p:extLst>
+  </p:cSld>
+  <p:clrMapOvr>
+    <a:masterClrMapping/>
+  </p:clrMapOvr>
+</p:notes>
+</file>
+
+<file path=ppt/notesSlides/notesSlide9.xml><?xml version="1.0" encoding="utf-8"?>
+<p:notes xmlns:a="http://schemas.openxmlformats.org/drawingml/2006/main" xmlns:r="http://schemas.openxmlformats.org/officeDocument/2006/relationships" xmlns:p="http://schemas.openxmlformats.org/presentationml/2006/main">
+  <p:cSld>
+    <p:spTree>
+      <p:nvGrpSpPr>
+        <p:cNvPr id="1" name=""/>
+        <p:cNvGrpSpPr/>
+        <p:nvPr/>
+      </p:nvGrpSpPr>
+      <p:grpSpPr>
+        <a:xfrm>
+          <a:off x="0" y="0"/>
+          <a:ext cx="0" cy="0"/>
+          <a:chOff x="0" y="0"/>
+          <a:chExt cx="0" cy="0"/>
+        </a:xfrm>
+      </p:grpSpPr>
+      <p:sp>
+        <p:nvSpPr>
+          <p:cNvPr id="2" name="Espaço Reservado para Imagem de Slide 1"/>
+          <p:cNvSpPr>
+            <a:spLocks noGrp="1" noRot="1" noChangeAspect="1"/>
+          </p:cNvSpPr>
+          <p:nvPr>
+            <p:ph type="sldImg"/>
+          </p:nvPr>
+        </p:nvSpPr>
+        <p:spPr>
+          <a:xfrm>
+            <a:off x="381000" y="685800"/>
+            <a:ext cx="6096000" cy="3429000"/>
+          </a:xfrm>
+        </p:spPr>
+      </p:sp>
+      <p:sp>
+        <p:nvSpPr>
+          <p:cNvPr id="3" name="Espaço Reservado para Anotações 2"/>
+          <p:cNvSpPr>
+            <a:spLocks noGrp="1"/>
+          </p:cNvSpPr>
+          <p:nvPr>
+            <p:ph type="body" idx="1"/>
+          </p:nvPr>
+        </p:nvSpPr>
+        <p:spPr/>
+        <p:txBody>
+          <a:bodyPr/>
+          <a:lstStyle/>
+          <a:p>
+            <a:r>
+              <a:rPr lang="pt-BR" dirty="0"/>
+              <a:t>FindChunk</a:t>
+            </a:r>
+            <a:r>
+              <a:rPr lang="pt-BR" baseline="0" dirty="0"/>
+              <a:t> irá localizar um bloco (segundo parâmetro) e atualizar os valores de dwChunkSize e dwChunkPosition (terceiro e quarto parâmetros) de forma que eles apontem para o bloco requisitado. Estes valores serão passados para ReadChunkData que irá ler o bloco para a posição de memória indicada (segundo parâmetro).</a:t>
+            </a:r>
+            <a:endParaRPr lang="pt-BR" dirty="0"/>
+          </a:p>
+        </p:txBody>
+      </p:sp>
+      <p:sp>
+        <p:nvSpPr>
+          <p:cNvPr id="4" name="Espaço Reservado para Número de Slide 3"/>
+          <p:cNvSpPr>
+            <a:spLocks noGrp="1"/>
+          </p:cNvSpPr>
+          <p:nvPr>
+            <p:ph type="sldNum" sz="quarter" idx="10"/>
+          </p:nvPr>
+        </p:nvSpPr>
+        <p:spPr/>
+        <p:txBody>
+          <a:bodyPr/>
+          <a:lstStyle/>
+          <a:p>
+            <a:fld id="{EF334A8D-C5BE-432D-90D0-92D67DD437AB}" type="slidenum">
+              <a:rPr lang="pt-BR" smtClean="0"/>
+              <a:pPr/>
+              <a:t>18</a:t>
+            </a:fld>
+            <a:endParaRPr lang="pt-BR"/>
+          </a:p>
+        </p:txBody>
+      </p:sp>
+    </p:spTree>
+    <p:extLst>
+      <p:ext uri="{BB962C8B-B14F-4D97-AF65-F5344CB8AC3E}">
+        <p14:creationId xmlns:p14="http://schemas.microsoft.com/office/powerpoint/2010/main" val="1991007447"/>
       </p:ext>
     </p:extLst>
   </p:cSld>
@@ -5541,7 +5742,7 @@
             <a:fld id="{B41ABA4E-CD72-497B-97AA-7213B3980F60}" type="datetimeFigureOut">
               <a:rPr lang="en-US" smtClean="0"/>
               <a:pPr/>
-              <a:t>9/10/2021</a:t>
+              <a:t>9/16/2021</a:t>
             </a:fld>
             <a:endParaRPr lang="en-US" dirty="0"/>
           </a:p>
@@ -6220,7 +6421,7 @@
             <a:fld id="{B41ABA4E-CD72-497B-97AA-7213B3980F60}" type="datetimeFigureOut">
               <a:rPr lang="en-US" smtClean="0"/>
               <a:pPr/>
-              <a:t>9/10/2021</a:t>
+              <a:t>9/16/2021</a:t>
             </a:fld>
             <a:endParaRPr lang="en-US" dirty="0"/>
           </a:p>
